--- a/dplyr.pptx
+++ b/dplyr.pptx
@@ -134,7 +134,7 @@
           <p:cNvPr id="2" name="Title 1">
             <a:extLst>
               <a:ext uri="{FF2B5EF4-FFF2-40B4-BE49-F238E27FC236}">
-                <a16:creationId xmlns:a16="http://schemas.microsoft.com/office/drawing/2014/main" id="{2ADD68F8-65CC-49D5-96E7-564E0CF97B9E}"/>
+                <a16:creationId xmlns:a16="http://schemas.microsoft.com/office/drawing/2014/main" xmlns="" id="{2ADD68F8-65CC-49D5-96E7-564E0CF97B9E}"/>
               </a:ext>
             </a:extLst>
           </p:cNvPr>
@@ -171,7 +171,7 @@
           <p:cNvPr id="3" name="Subtitle 2">
             <a:extLst>
               <a:ext uri="{FF2B5EF4-FFF2-40B4-BE49-F238E27FC236}">
-                <a16:creationId xmlns:a16="http://schemas.microsoft.com/office/drawing/2014/main" id="{E5C93FC5-33B0-4746-82C8-4AF66FF545D5}"/>
+                <a16:creationId xmlns:a16="http://schemas.microsoft.com/office/drawing/2014/main" xmlns="" id="{E5C93FC5-33B0-4746-82C8-4AF66FF545D5}"/>
               </a:ext>
             </a:extLst>
           </p:cNvPr>
@@ -241,7 +241,7 @@
           <p:cNvPr id="4" name="Date Placeholder 3">
             <a:extLst>
               <a:ext uri="{FF2B5EF4-FFF2-40B4-BE49-F238E27FC236}">
-                <a16:creationId xmlns:a16="http://schemas.microsoft.com/office/drawing/2014/main" id="{B8890B8B-5F8A-4EF7-9745-AFE7A20F67F4}"/>
+                <a16:creationId xmlns:a16="http://schemas.microsoft.com/office/drawing/2014/main" xmlns="" id="{B8890B8B-5F8A-4EF7-9745-AFE7A20F67F4}"/>
               </a:ext>
             </a:extLst>
           </p:cNvPr>
@@ -270,7 +270,7 @@
           <p:cNvPr id="5" name="Footer Placeholder 4">
             <a:extLst>
               <a:ext uri="{FF2B5EF4-FFF2-40B4-BE49-F238E27FC236}">
-                <a16:creationId xmlns:a16="http://schemas.microsoft.com/office/drawing/2014/main" id="{A7232056-2E9B-402A-ACAE-63AD757E3342}"/>
+                <a16:creationId xmlns:a16="http://schemas.microsoft.com/office/drawing/2014/main" xmlns="" id="{A7232056-2E9B-402A-ACAE-63AD757E3342}"/>
               </a:ext>
             </a:extLst>
           </p:cNvPr>
@@ -295,7 +295,7 @@
           <p:cNvPr id="6" name="Slide Number Placeholder 5">
             <a:extLst>
               <a:ext uri="{FF2B5EF4-FFF2-40B4-BE49-F238E27FC236}">
-                <a16:creationId xmlns:a16="http://schemas.microsoft.com/office/drawing/2014/main" id="{7CE39E75-C3CF-4E65-8692-49C77B7CCA07}"/>
+                <a16:creationId xmlns:a16="http://schemas.microsoft.com/office/drawing/2014/main" xmlns="" id="{7CE39E75-C3CF-4E65-8692-49C77B7CCA07}"/>
               </a:ext>
             </a:extLst>
           </p:cNvPr>
@@ -354,7 +354,7 @@
           <p:cNvPr id="2" name="Title 1">
             <a:extLst>
               <a:ext uri="{FF2B5EF4-FFF2-40B4-BE49-F238E27FC236}">
-                <a16:creationId xmlns:a16="http://schemas.microsoft.com/office/drawing/2014/main" id="{08B6190B-5341-44AA-A9BA-0AE278589C7A}"/>
+                <a16:creationId xmlns:a16="http://schemas.microsoft.com/office/drawing/2014/main" xmlns="" id="{08B6190B-5341-44AA-A9BA-0AE278589C7A}"/>
               </a:ext>
             </a:extLst>
           </p:cNvPr>
@@ -382,7 +382,7 @@
           <p:cNvPr id="3" name="Vertical Text Placeholder 2">
             <a:extLst>
               <a:ext uri="{FF2B5EF4-FFF2-40B4-BE49-F238E27FC236}">
-                <a16:creationId xmlns:a16="http://schemas.microsoft.com/office/drawing/2014/main" id="{AE75C41E-48B7-4334-A7F4-65805B3406ED}"/>
+                <a16:creationId xmlns:a16="http://schemas.microsoft.com/office/drawing/2014/main" xmlns="" id="{AE75C41E-48B7-4334-A7F4-65805B3406ED}"/>
               </a:ext>
             </a:extLst>
           </p:cNvPr>
@@ -439,7 +439,7 @@
           <p:cNvPr id="4" name="Date Placeholder 3">
             <a:extLst>
               <a:ext uri="{FF2B5EF4-FFF2-40B4-BE49-F238E27FC236}">
-                <a16:creationId xmlns:a16="http://schemas.microsoft.com/office/drawing/2014/main" id="{BE7278B8-C679-49D2-A3A0-A01EFC95E214}"/>
+                <a16:creationId xmlns:a16="http://schemas.microsoft.com/office/drawing/2014/main" xmlns="" id="{BE7278B8-C679-49D2-A3A0-A01EFC95E214}"/>
               </a:ext>
             </a:extLst>
           </p:cNvPr>
@@ -468,7 +468,7 @@
           <p:cNvPr id="5" name="Footer Placeholder 4">
             <a:extLst>
               <a:ext uri="{FF2B5EF4-FFF2-40B4-BE49-F238E27FC236}">
-                <a16:creationId xmlns:a16="http://schemas.microsoft.com/office/drawing/2014/main" id="{4D23E99C-AB03-4E37-A934-A7C99B87B3F9}"/>
+                <a16:creationId xmlns:a16="http://schemas.microsoft.com/office/drawing/2014/main" xmlns="" id="{4D23E99C-AB03-4E37-A934-A7C99B87B3F9}"/>
               </a:ext>
             </a:extLst>
           </p:cNvPr>
@@ -493,7 +493,7 @@
           <p:cNvPr id="6" name="Slide Number Placeholder 5">
             <a:extLst>
               <a:ext uri="{FF2B5EF4-FFF2-40B4-BE49-F238E27FC236}">
-                <a16:creationId xmlns:a16="http://schemas.microsoft.com/office/drawing/2014/main" id="{B5477016-0252-4A51-8707-73920306F3EC}"/>
+                <a16:creationId xmlns:a16="http://schemas.microsoft.com/office/drawing/2014/main" xmlns="" id="{B5477016-0252-4A51-8707-73920306F3EC}"/>
               </a:ext>
             </a:extLst>
           </p:cNvPr>
@@ -552,7 +552,7 @@
           <p:cNvPr id="2" name="Vertical Title 1">
             <a:extLst>
               <a:ext uri="{FF2B5EF4-FFF2-40B4-BE49-F238E27FC236}">
-                <a16:creationId xmlns:a16="http://schemas.microsoft.com/office/drawing/2014/main" id="{EFEFAE5B-292F-42FC-B0D4-E74EE5C57F2C}"/>
+                <a16:creationId xmlns:a16="http://schemas.microsoft.com/office/drawing/2014/main" xmlns="" id="{EFEFAE5B-292F-42FC-B0D4-E74EE5C57F2C}"/>
               </a:ext>
             </a:extLst>
           </p:cNvPr>
@@ -585,7 +585,7 @@
           <p:cNvPr id="3" name="Vertical Text Placeholder 2">
             <a:extLst>
               <a:ext uri="{FF2B5EF4-FFF2-40B4-BE49-F238E27FC236}">
-                <a16:creationId xmlns:a16="http://schemas.microsoft.com/office/drawing/2014/main" id="{155434E9-9C74-4845-A236-8E94DA936CD8}"/>
+                <a16:creationId xmlns:a16="http://schemas.microsoft.com/office/drawing/2014/main" xmlns="" id="{155434E9-9C74-4845-A236-8E94DA936CD8}"/>
               </a:ext>
             </a:extLst>
           </p:cNvPr>
@@ -647,7 +647,7 @@
           <p:cNvPr id="4" name="Date Placeholder 3">
             <a:extLst>
               <a:ext uri="{FF2B5EF4-FFF2-40B4-BE49-F238E27FC236}">
-                <a16:creationId xmlns:a16="http://schemas.microsoft.com/office/drawing/2014/main" id="{FD73FD45-B8DB-4DB6-B2B6-30D095BC2DC2}"/>
+                <a16:creationId xmlns:a16="http://schemas.microsoft.com/office/drawing/2014/main" xmlns="" id="{FD73FD45-B8DB-4DB6-B2B6-30D095BC2DC2}"/>
               </a:ext>
             </a:extLst>
           </p:cNvPr>
@@ -676,7 +676,7 @@
           <p:cNvPr id="5" name="Footer Placeholder 4">
             <a:extLst>
               <a:ext uri="{FF2B5EF4-FFF2-40B4-BE49-F238E27FC236}">
-                <a16:creationId xmlns:a16="http://schemas.microsoft.com/office/drawing/2014/main" id="{2554D389-E886-4B9F-80DF-289A2BA8DC2A}"/>
+                <a16:creationId xmlns:a16="http://schemas.microsoft.com/office/drawing/2014/main" xmlns="" id="{2554D389-E886-4B9F-80DF-289A2BA8DC2A}"/>
               </a:ext>
             </a:extLst>
           </p:cNvPr>
@@ -701,7 +701,7 @@
           <p:cNvPr id="6" name="Slide Number Placeholder 5">
             <a:extLst>
               <a:ext uri="{FF2B5EF4-FFF2-40B4-BE49-F238E27FC236}">
-                <a16:creationId xmlns:a16="http://schemas.microsoft.com/office/drawing/2014/main" id="{632C1A17-F938-405D-B557-D3FDC1605A0A}"/>
+                <a16:creationId xmlns:a16="http://schemas.microsoft.com/office/drawing/2014/main" xmlns="" id="{632C1A17-F938-405D-B557-D3FDC1605A0A}"/>
               </a:ext>
             </a:extLst>
           </p:cNvPr>
@@ -760,7 +760,7 @@
           <p:cNvPr id="2" name="Title 1">
             <a:extLst>
               <a:ext uri="{FF2B5EF4-FFF2-40B4-BE49-F238E27FC236}">
-                <a16:creationId xmlns:a16="http://schemas.microsoft.com/office/drawing/2014/main" id="{E317C87C-D579-4444-8054-418ACF046FA2}"/>
+                <a16:creationId xmlns:a16="http://schemas.microsoft.com/office/drawing/2014/main" xmlns="" id="{E317C87C-D579-4444-8054-418ACF046FA2}"/>
               </a:ext>
             </a:extLst>
           </p:cNvPr>
@@ -788,7 +788,7 @@
           <p:cNvPr id="3" name="Content Placeholder 2">
             <a:extLst>
               <a:ext uri="{FF2B5EF4-FFF2-40B4-BE49-F238E27FC236}">
-                <a16:creationId xmlns:a16="http://schemas.microsoft.com/office/drawing/2014/main" id="{839D07AF-C1CC-4DB7-BA79-C3010136DE6C}"/>
+                <a16:creationId xmlns:a16="http://schemas.microsoft.com/office/drawing/2014/main" xmlns="" id="{839D07AF-C1CC-4DB7-BA79-C3010136DE6C}"/>
               </a:ext>
             </a:extLst>
           </p:cNvPr>
@@ -845,7 +845,7 @@
           <p:cNvPr id="4" name="Date Placeholder 3">
             <a:extLst>
               <a:ext uri="{FF2B5EF4-FFF2-40B4-BE49-F238E27FC236}">
-                <a16:creationId xmlns:a16="http://schemas.microsoft.com/office/drawing/2014/main" id="{0B19E308-0BF4-4EA4-8EE3-D7577CD53BFC}"/>
+                <a16:creationId xmlns:a16="http://schemas.microsoft.com/office/drawing/2014/main" xmlns="" id="{0B19E308-0BF4-4EA4-8EE3-D7577CD53BFC}"/>
               </a:ext>
             </a:extLst>
           </p:cNvPr>
@@ -874,7 +874,7 @@
           <p:cNvPr id="5" name="Footer Placeholder 4">
             <a:extLst>
               <a:ext uri="{FF2B5EF4-FFF2-40B4-BE49-F238E27FC236}">
-                <a16:creationId xmlns:a16="http://schemas.microsoft.com/office/drawing/2014/main" id="{83DDE75C-57ED-4EC7-B4D8-C8465929730F}"/>
+                <a16:creationId xmlns:a16="http://schemas.microsoft.com/office/drawing/2014/main" xmlns="" id="{83DDE75C-57ED-4EC7-B4D8-C8465929730F}"/>
               </a:ext>
             </a:extLst>
           </p:cNvPr>
@@ -899,7 +899,7 @@
           <p:cNvPr id="6" name="Slide Number Placeholder 5">
             <a:extLst>
               <a:ext uri="{FF2B5EF4-FFF2-40B4-BE49-F238E27FC236}">
-                <a16:creationId xmlns:a16="http://schemas.microsoft.com/office/drawing/2014/main" id="{7C61F4D3-CC4A-4FE8-A72C-5F8935FDA369}"/>
+                <a16:creationId xmlns:a16="http://schemas.microsoft.com/office/drawing/2014/main" xmlns="" id="{7C61F4D3-CC4A-4FE8-A72C-5F8935FDA369}"/>
               </a:ext>
             </a:extLst>
           </p:cNvPr>
@@ -958,7 +958,7 @@
           <p:cNvPr id="2" name="Title 1">
             <a:extLst>
               <a:ext uri="{FF2B5EF4-FFF2-40B4-BE49-F238E27FC236}">
-                <a16:creationId xmlns:a16="http://schemas.microsoft.com/office/drawing/2014/main" id="{955C59E7-6162-4355-B93F-7FF3E4D020BD}"/>
+                <a16:creationId xmlns:a16="http://schemas.microsoft.com/office/drawing/2014/main" xmlns="" id="{955C59E7-6162-4355-B93F-7FF3E4D020BD}"/>
               </a:ext>
             </a:extLst>
           </p:cNvPr>
@@ -995,7 +995,7 @@
           <p:cNvPr id="3" name="Text Placeholder 2">
             <a:extLst>
               <a:ext uri="{FF2B5EF4-FFF2-40B4-BE49-F238E27FC236}">
-                <a16:creationId xmlns:a16="http://schemas.microsoft.com/office/drawing/2014/main" id="{2F730E38-3045-46EA-876A-F2BC84CE6C52}"/>
+                <a16:creationId xmlns:a16="http://schemas.microsoft.com/office/drawing/2014/main" xmlns="" id="{2F730E38-3045-46EA-876A-F2BC84CE6C52}"/>
               </a:ext>
             </a:extLst>
           </p:cNvPr>
@@ -1120,7 +1120,7 @@
           <p:cNvPr id="4" name="Date Placeholder 3">
             <a:extLst>
               <a:ext uri="{FF2B5EF4-FFF2-40B4-BE49-F238E27FC236}">
-                <a16:creationId xmlns:a16="http://schemas.microsoft.com/office/drawing/2014/main" id="{841386E2-BD36-43E7-B138-4E9CEB167713}"/>
+                <a16:creationId xmlns:a16="http://schemas.microsoft.com/office/drawing/2014/main" xmlns="" id="{841386E2-BD36-43E7-B138-4E9CEB167713}"/>
               </a:ext>
             </a:extLst>
           </p:cNvPr>
@@ -1149,7 +1149,7 @@
           <p:cNvPr id="5" name="Footer Placeholder 4">
             <a:extLst>
               <a:ext uri="{FF2B5EF4-FFF2-40B4-BE49-F238E27FC236}">
-                <a16:creationId xmlns:a16="http://schemas.microsoft.com/office/drawing/2014/main" id="{1884EAF2-3070-469C-BD64-1C608BEB3096}"/>
+                <a16:creationId xmlns:a16="http://schemas.microsoft.com/office/drawing/2014/main" xmlns="" id="{1884EAF2-3070-469C-BD64-1C608BEB3096}"/>
               </a:ext>
             </a:extLst>
           </p:cNvPr>
@@ -1174,7 +1174,7 @@
           <p:cNvPr id="6" name="Slide Number Placeholder 5">
             <a:extLst>
               <a:ext uri="{FF2B5EF4-FFF2-40B4-BE49-F238E27FC236}">
-                <a16:creationId xmlns:a16="http://schemas.microsoft.com/office/drawing/2014/main" id="{5540B70C-8930-4116-A8F7-C8AB6F170FCB}"/>
+                <a16:creationId xmlns:a16="http://schemas.microsoft.com/office/drawing/2014/main" xmlns="" id="{5540B70C-8930-4116-A8F7-C8AB6F170FCB}"/>
               </a:ext>
             </a:extLst>
           </p:cNvPr>
@@ -1233,7 +1233,7 @@
           <p:cNvPr id="2" name="Title 1">
             <a:extLst>
               <a:ext uri="{FF2B5EF4-FFF2-40B4-BE49-F238E27FC236}">
-                <a16:creationId xmlns:a16="http://schemas.microsoft.com/office/drawing/2014/main" id="{3BF2BDDB-8ED1-49FD-B5A9-203949826C2D}"/>
+                <a16:creationId xmlns:a16="http://schemas.microsoft.com/office/drawing/2014/main" xmlns="" id="{3BF2BDDB-8ED1-49FD-B5A9-203949826C2D}"/>
               </a:ext>
             </a:extLst>
           </p:cNvPr>
@@ -1261,7 +1261,7 @@
           <p:cNvPr id="3" name="Content Placeholder 2">
             <a:extLst>
               <a:ext uri="{FF2B5EF4-FFF2-40B4-BE49-F238E27FC236}">
-                <a16:creationId xmlns:a16="http://schemas.microsoft.com/office/drawing/2014/main" id="{5B66C0A8-17D0-460E-A60F-9985873D46A5}"/>
+                <a16:creationId xmlns:a16="http://schemas.microsoft.com/office/drawing/2014/main" xmlns="" id="{5B66C0A8-17D0-460E-A60F-9985873D46A5}"/>
               </a:ext>
             </a:extLst>
           </p:cNvPr>
@@ -1323,7 +1323,7 @@
           <p:cNvPr id="4" name="Content Placeholder 3">
             <a:extLst>
               <a:ext uri="{FF2B5EF4-FFF2-40B4-BE49-F238E27FC236}">
-                <a16:creationId xmlns:a16="http://schemas.microsoft.com/office/drawing/2014/main" id="{5D25E4C3-D52D-455E-94CB-EF20A0877EB9}"/>
+                <a16:creationId xmlns:a16="http://schemas.microsoft.com/office/drawing/2014/main" xmlns="" id="{5D25E4C3-D52D-455E-94CB-EF20A0877EB9}"/>
               </a:ext>
             </a:extLst>
           </p:cNvPr>
@@ -1385,7 +1385,7 @@
           <p:cNvPr id="5" name="Date Placeholder 4">
             <a:extLst>
               <a:ext uri="{FF2B5EF4-FFF2-40B4-BE49-F238E27FC236}">
-                <a16:creationId xmlns:a16="http://schemas.microsoft.com/office/drawing/2014/main" id="{80E558FF-3C3C-4AFB-A54B-0D9486554138}"/>
+                <a16:creationId xmlns:a16="http://schemas.microsoft.com/office/drawing/2014/main" xmlns="" id="{80E558FF-3C3C-4AFB-A54B-0D9486554138}"/>
               </a:ext>
             </a:extLst>
           </p:cNvPr>
@@ -1414,7 +1414,7 @@
           <p:cNvPr id="6" name="Footer Placeholder 5">
             <a:extLst>
               <a:ext uri="{FF2B5EF4-FFF2-40B4-BE49-F238E27FC236}">
-                <a16:creationId xmlns:a16="http://schemas.microsoft.com/office/drawing/2014/main" id="{234320FE-85D2-46B5-8293-615BA6FE6FEB}"/>
+                <a16:creationId xmlns:a16="http://schemas.microsoft.com/office/drawing/2014/main" xmlns="" id="{234320FE-85D2-46B5-8293-615BA6FE6FEB}"/>
               </a:ext>
             </a:extLst>
           </p:cNvPr>
@@ -1439,7 +1439,7 @@
           <p:cNvPr id="7" name="Slide Number Placeholder 6">
             <a:extLst>
               <a:ext uri="{FF2B5EF4-FFF2-40B4-BE49-F238E27FC236}">
-                <a16:creationId xmlns:a16="http://schemas.microsoft.com/office/drawing/2014/main" id="{AAEA6CEB-1880-4AE9-B008-683B3F171973}"/>
+                <a16:creationId xmlns:a16="http://schemas.microsoft.com/office/drawing/2014/main" xmlns="" id="{AAEA6CEB-1880-4AE9-B008-683B3F171973}"/>
               </a:ext>
             </a:extLst>
           </p:cNvPr>
@@ -1498,7 +1498,7 @@
           <p:cNvPr id="2" name="Title 1">
             <a:extLst>
               <a:ext uri="{FF2B5EF4-FFF2-40B4-BE49-F238E27FC236}">
-                <a16:creationId xmlns:a16="http://schemas.microsoft.com/office/drawing/2014/main" id="{4CBA7D1A-B81A-4A62-B17D-88BE911AAA4E}"/>
+                <a16:creationId xmlns:a16="http://schemas.microsoft.com/office/drawing/2014/main" xmlns="" id="{4CBA7D1A-B81A-4A62-B17D-88BE911AAA4E}"/>
               </a:ext>
             </a:extLst>
           </p:cNvPr>
@@ -1531,7 +1531,7 @@
           <p:cNvPr id="3" name="Text Placeholder 2">
             <a:extLst>
               <a:ext uri="{FF2B5EF4-FFF2-40B4-BE49-F238E27FC236}">
-                <a16:creationId xmlns:a16="http://schemas.microsoft.com/office/drawing/2014/main" id="{DAB55C94-CBCC-4FBF-8EC7-D510FE3E3ED2}"/>
+                <a16:creationId xmlns:a16="http://schemas.microsoft.com/office/drawing/2014/main" xmlns="" id="{DAB55C94-CBCC-4FBF-8EC7-D510FE3E3ED2}"/>
               </a:ext>
             </a:extLst>
           </p:cNvPr>
@@ -1602,7 +1602,7 @@
           <p:cNvPr id="4" name="Content Placeholder 3">
             <a:extLst>
               <a:ext uri="{FF2B5EF4-FFF2-40B4-BE49-F238E27FC236}">
-                <a16:creationId xmlns:a16="http://schemas.microsoft.com/office/drawing/2014/main" id="{57322148-7370-4E9E-9B32-AAEF2E2A0A3C}"/>
+                <a16:creationId xmlns:a16="http://schemas.microsoft.com/office/drawing/2014/main" xmlns="" id="{57322148-7370-4E9E-9B32-AAEF2E2A0A3C}"/>
               </a:ext>
             </a:extLst>
           </p:cNvPr>
@@ -1664,7 +1664,7 @@
           <p:cNvPr id="5" name="Text Placeholder 4">
             <a:extLst>
               <a:ext uri="{FF2B5EF4-FFF2-40B4-BE49-F238E27FC236}">
-                <a16:creationId xmlns:a16="http://schemas.microsoft.com/office/drawing/2014/main" id="{D920BB62-E9EA-4D94-A3B9-4C4F641CA1E9}"/>
+                <a16:creationId xmlns:a16="http://schemas.microsoft.com/office/drawing/2014/main" xmlns="" id="{D920BB62-E9EA-4D94-A3B9-4C4F641CA1E9}"/>
               </a:ext>
             </a:extLst>
           </p:cNvPr>
@@ -1735,7 +1735,7 @@
           <p:cNvPr id="6" name="Content Placeholder 5">
             <a:extLst>
               <a:ext uri="{FF2B5EF4-FFF2-40B4-BE49-F238E27FC236}">
-                <a16:creationId xmlns:a16="http://schemas.microsoft.com/office/drawing/2014/main" id="{3DF67297-C47C-4B1A-9CDC-43E92DC86F03}"/>
+                <a16:creationId xmlns:a16="http://schemas.microsoft.com/office/drawing/2014/main" xmlns="" id="{3DF67297-C47C-4B1A-9CDC-43E92DC86F03}"/>
               </a:ext>
             </a:extLst>
           </p:cNvPr>
@@ -1797,7 +1797,7 @@
           <p:cNvPr id="7" name="Date Placeholder 6">
             <a:extLst>
               <a:ext uri="{FF2B5EF4-FFF2-40B4-BE49-F238E27FC236}">
-                <a16:creationId xmlns:a16="http://schemas.microsoft.com/office/drawing/2014/main" id="{677DD904-7CAF-4C6C-9E80-E966D57AD7A9}"/>
+                <a16:creationId xmlns:a16="http://schemas.microsoft.com/office/drawing/2014/main" xmlns="" id="{677DD904-7CAF-4C6C-9E80-E966D57AD7A9}"/>
               </a:ext>
             </a:extLst>
           </p:cNvPr>
@@ -1826,7 +1826,7 @@
           <p:cNvPr id="8" name="Footer Placeholder 7">
             <a:extLst>
               <a:ext uri="{FF2B5EF4-FFF2-40B4-BE49-F238E27FC236}">
-                <a16:creationId xmlns:a16="http://schemas.microsoft.com/office/drawing/2014/main" id="{FCF533B1-3981-4E46-B2A2-A21388859A46}"/>
+                <a16:creationId xmlns:a16="http://schemas.microsoft.com/office/drawing/2014/main" xmlns="" id="{FCF533B1-3981-4E46-B2A2-A21388859A46}"/>
               </a:ext>
             </a:extLst>
           </p:cNvPr>
@@ -1851,7 +1851,7 @@
           <p:cNvPr id="9" name="Slide Number Placeholder 8">
             <a:extLst>
               <a:ext uri="{FF2B5EF4-FFF2-40B4-BE49-F238E27FC236}">
-                <a16:creationId xmlns:a16="http://schemas.microsoft.com/office/drawing/2014/main" id="{4E25ABE6-4444-4DAF-91C8-46D9D5778695}"/>
+                <a16:creationId xmlns:a16="http://schemas.microsoft.com/office/drawing/2014/main" xmlns="" id="{4E25ABE6-4444-4DAF-91C8-46D9D5778695}"/>
               </a:ext>
             </a:extLst>
           </p:cNvPr>
@@ -1910,7 +1910,7 @@
           <p:cNvPr id="2" name="Title 1">
             <a:extLst>
               <a:ext uri="{FF2B5EF4-FFF2-40B4-BE49-F238E27FC236}">
-                <a16:creationId xmlns:a16="http://schemas.microsoft.com/office/drawing/2014/main" id="{ED6E3AA0-05CB-46E1-AFAE-37B3C941594B}"/>
+                <a16:creationId xmlns:a16="http://schemas.microsoft.com/office/drawing/2014/main" xmlns="" id="{ED6E3AA0-05CB-46E1-AFAE-37B3C941594B}"/>
               </a:ext>
             </a:extLst>
           </p:cNvPr>
@@ -1938,7 +1938,7 @@
           <p:cNvPr id="3" name="Date Placeholder 2">
             <a:extLst>
               <a:ext uri="{FF2B5EF4-FFF2-40B4-BE49-F238E27FC236}">
-                <a16:creationId xmlns:a16="http://schemas.microsoft.com/office/drawing/2014/main" id="{F0E4FC13-6A37-4F71-BED9-61E57E582521}"/>
+                <a16:creationId xmlns:a16="http://schemas.microsoft.com/office/drawing/2014/main" xmlns="" id="{F0E4FC13-6A37-4F71-BED9-61E57E582521}"/>
               </a:ext>
             </a:extLst>
           </p:cNvPr>
@@ -1967,7 +1967,7 @@
           <p:cNvPr id="4" name="Footer Placeholder 3">
             <a:extLst>
               <a:ext uri="{FF2B5EF4-FFF2-40B4-BE49-F238E27FC236}">
-                <a16:creationId xmlns:a16="http://schemas.microsoft.com/office/drawing/2014/main" id="{6DBCB155-DE56-489A-8C22-D46C84FC9168}"/>
+                <a16:creationId xmlns:a16="http://schemas.microsoft.com/office/drawing/2014/main" xmlns="" id="{6DBCB155-DE56-489A-8C22-D46C84FC9168}"/>
               </a:ext>
             </a:extLst>
           </p:cNvPr>
@@ -1992,7 +1992,7 @@
           <p:cNvPr id="5" name="Slide Number Placeholder 4">
             <a:extLst>
               <a:ext uri="{FF2B5EF4-FFF2-40B4-BE49-F238E27FC236}">
-                <a16:creationId xmlns:a16="http://schemas.microsoft.com/office/drawing/2014/main" id="{B81F7144-919D-4A1D-A06E-CA69669130AC}"/>
+                <a16:creationId xmlns:a16="http://schemas.microsoft.com/office/drawing/2014/main" xmlns="" id="{B81F7144-919D-4A1D-A06E-CA69669130AC}"/>
               </a:ext>
             </a:extLst>
           </p:cNvPr>
@@ -2051,7 +2051,7 @@
           <p:cNvPr id="2" name="Date Placeholder 1">
             <a:extLst>
               <a:ext uri="{FF2B5EF4-FFF2-40B4-BE49-F238E27FC236}">
-                <a16:creationId xmlns:a16="http://schemas.microsoft.com/office/drawing/2014/main" id="{DD52A6A7-B252-4B0B-B1C6-4FD7439F6E29}"/>
+                <a16:creationId xmlns:a16="http://schemas.microsoft.com/office/drawing/2014/main" xmlns="" id="{DD52A6A7-B252-4B0B-B1C6-4FD7439F6E29}"/>
               </a:ext>
             </a:extLst>
           </p:cNvPr>
@@ -2080,7 +2080,7 @@
           <p:cNvPr id="3" name="Footer Placeholder 2">
             <a:extLst>
               <a:ext uri="{FF2B5EF4-FFF2-40B4-BE49-F238E27FC236}">
-                <a16:creationId xmlns:a16="http://schemas.microsoft.com/office/drawing/2014/main" id="{C901F2C5-4F0E-4341-BE23-7A9500873590}"/>
+                <a16:creationId xmlns:a16="http://schemas.microsoft.com/office/drawing/2014/main" xmlns="" id="{C901F2C5-4F0E-4341-BE23-7A9500873590}"/>
               </a:ext>
             </a:extLst>
           </p:cNvPr>
@@ -2105,7 +2105,7 @@
           <p:cNvPr id="4" name="Slide Number Placeholder 3">
             <a:extLst>
               <a:ext uri="{FF2B5EF4-FFF2-40B4-BE49-F238E27FC236}">
-                <a16:creationId xmlns:a16="http://schemas.microsoft.com/office/drawing/2014/main" id="{650215EE-5960-410C-BB54-5FD050184A9F}"/>
+                <a16:creationId xmlns:a16="http://schemas.microsoft.com/office/drawing/2014/main" xmlns="" id="{650215EE-5960-410C-BB54-5FD050184A9F}"/>
               </a:ext>
             </a:extLst>
           </p:cNvPr>
@@ -2164,7 +2164,7 @@
           <p:cNvPr id="2" name="Title 1">
             <a:extLst>
               <a:ext uri="{FF2B5EF4-FFF2-40B4-BE49-F238E27FC236}">
-                <a16:creationId xmlns:a16="http://schemas.microsoft.com/office/drawing/2014/main" id="{314EC3C5-F230-4C19-8791-E048E5EFC49B}"/>
+                <a16:creationId xmlns:a16="http://schemas.microsoft.com/office/drawing/2014/main" xmlns="" id="{314EC3C5-F230-4C19-8791-E048E5EFC49B}"/>
               </a:ext>
             </a:extLst>
           </p:cNvPr>
@@ -2201,7 +2201,7 @@
           <p:cNvPr id="3" name="Content Placeholder 2">
             <a:extLst>
               <a:ext uri="{FF2B5EF4-FFF2-40B4-BE49-F238E27FC236}">
-                <a16:creationId xmlns:a16="http://schemas.microsoft.com/office/drawing/2014/main" id="{2A79F925-B7DE-43BE-B4B4-F634F17D16EC}"/>
+                <a16:creationId xmlns:a16="http://schemas.microsoft.com/office/drawing/2014/main" xmlns="" id="{2A79F925-B7DE-43BE-B4B4-F634F17D16EC}"/>
               </a:ext>
             </a:extLst>
           </p:cNvPr>
@@ -2291,7 +2291,7 @@
           <p:cNvPr id="4" name="Text Placeholder 3">
             <a:extLst>
               <a:ext uri="{FF2B5EF4-FFF2-40B4-BE49-F238E27FC236}">
-                <a16:creationId xmlns:a16="http://schemas.microsoft.com/office/drawing/2014/main" id="{826FEF52-CFD0-46AF-970F-AA5FEE73CDA5}"/>
+                <a16:creationId xmlns:a16="http://schemas.microsoft.com/office/drawing/2014/main" xmlns="" id="{826FEF52-CFD0-46AF-970F-AA5FEE73CDA5}"/>
               </a:ext>
             </a:extLst>
           </p:cNvPr>
@@ -2362,7 +2362,7 @@
           <p:cNvPr id="5" name="Date Placeholder 4">
             <a:extLst>
               <a:ext uri="{FF2B5EF4-FFF2-40B4-BE49-F238E27FC236}">
-                <a16:creationId xmlns:a16="http://schemas.microsoft.com/office/drawing/2014/main" id="{12D9DE19-5F20-4448-BE57-48C872EEF0BF}"/>
+                <a16:creationId xmlns:a16="http://schemas.microsoft.com/office/drawing/2014/main" xmlns="" id="{12D9DE19-5F20-4448-BE57-48C872EEF0BF}"/>
               </a:ext>
             </a:extLst>
           </p:cNvPr>
@@ -2391,7 +2391,7 @@
           <p:cNvPr id="6" name="Footer Placeholder 5">
             <a:extLst>
               <a:ext uri="{FF2B5EF4-FFF2-40B4-BE49-F238E27FC236}">
-                <a16:creationId xmlns:a16="http://schemas.microsoft.com/office/drawing/2014/main" id="{11F53918-7B77-43A3-B255-FAD7CBE78C53}"/>
+                <a16:creationId xmlns:a16="http://schemas.microsoft.com/office/drawing/2014/main" xmlns="" id="{11F53918-7B77-43A3-B255-FAD7CBE78C53}"/>
               </a:ext>
             </a:extLst>
           </p:cNvPr>
@@ -2416,7 +2416,7 @@
           <p:cNvPr id="7" name="Slide Number Placeholder 6">
             <a:extLst>
               <a:ext uri="{FF2B5EF4-FFF2-40B4-BE49-F238E27FC236}">
-                <a16:creationId xmlns:a16="http://schemas.microsoft.com/office/drawing/2014/main" id="{ED3CEFE8-30ED-4036-B8C9-A124DECE6A52}"/>
+                <a16:creationId xmlns:a16="http://schemas.microsoft.com/office/drawing/2014/main" xmlns="" id="{ED3CEFE8-30ED-4036-B8C9-A124DECE6A52}"/>
               </a:ext>
             </a:extLst>
           </p:cNvPr>
@@ -2475,7 +2475,7 @@
           <p:cNvPr id="2" name="Title 1">
             <a:extLst>
               <a:ext uri="{FF2B5EF4-FFF2-40B4-BE49-F238E27FC236}">
-                <a16:creationId xmlns:a16="http://schemas.microsoft.com/office/drawing/2014/main" id="{B9D1C3BF-9C4B-4A59-AE27-87DDB00F40C3}"/>
+                <a16:creationId xmlns:a16="http://schemas.microsoft.com/office/drawing/2014/main" xmlns="" id="{B9D1C3BF-9C4B-4A59-AE27-87DDB00F40C3}"/>
               </a:ext>
             </a:extLst>
           </p:cNvPr>
@@ -2512,7 +2512,7 @@
           <p:cNvPr id="3" name="Picture Placeholder 2">
             <a:extLst>
               <a:ext uri="{FF2B5EF4-FFF2-40B4-BE49-F238E27FC236}">
-                <a16:creationId xmlns:a16="http://schemas.microsoft.com/office/drawing/2014/main" id="{86BBFD22-7E6B-4A02-9446-5BFE4B58748A}"/>
+                <a16:creationId xmlns:a16="http://schemas.microsoft.com/office/drawing/2014/main" xmlns="" id="{86BBFD22-7E6B-4A02-9446-5BFE4B58748A}"/>
               </a:ext>
             </a:extLst>
           </p:cNvPr>
@@ -2579,7 +2579,7 @@
           <p:cNvPr id="4" name="Text Placeholder 3">
             <a:extLst>
               <a:ext uri="{FF2B5EF4-FFF2-40B4-BE49-F238E27FC236}">
-                <a16:creationId xmlns:a16="http://schemas.microsoft.com/office/drawing/2014/main" id="{AAFA4451-E350-4BD7-9AD3-4B41463EDB43}"/>
+                <a16:creationId xmlns:a16="http://schemas.microsoft.com/office/drawing/2014/main" xmlns="" id="{AAFA4451-E350-4BD7-9AD3-4B41463EDB43}"/>
               </a:ext>
             </a:extLst>
           </p:cNvPr>
@@ -2650,7 +2650,7 @@
           <p:cNvPr id="5" name="Date Placeholder 4">
             <a:extLst>
               <a:ext uri="{FF2B5EF4-FFF2-40B4-BE49-F238E27FC236}">
-                <a16:creationId xmlns:a16="http://schemas.microsoft.com/office/drawing/2014/main" id="{FF3E80BA-7F7E-4DBF-82EB-467E925BB7AC}"/>
+                <a16:creationId xmlns:a16="http://schemas.microsoft.com/office/drawing/2014/main" xmlns="" id="{FF3E80BA-7F7E-4DBF-82EB-467E925BB7AC}"/>
               </a:ext>
             </a:extLst>
           </p:cNvPr>
@@ -2679,7 +2679,7 @@
           <p:cNvPr id="6" name="Footer Placeholder 5">
             <a:extLst>
               <a:ext uri="{FF2B5EF4-FFF2-40B4-BE49-F238E27FC236}">
-                <a16:creationId xmlns:a16="http://schemas.microsoft.com/office/drawing/2014/main" id="{E9AB4642-C618-48ED-B989-0332BACE865C}"/>
+                <a16:creationId xmlns:a16="http://schemas.microsoft.com/office/drawing/2014/main" xmlns="" id="{E9AB4642-C618-48ED-B989-0332BACE865C}"/>
               </a:ext>
             </a:extLst>
           </p:cNvPr>
@@ -2704,7 +2704,7 @@
           <p:cNvPr id="7" name="Slide Number Placeholder 6">
             <a:extLst>
               <a:ext uri="{FF2B5EF4-FFF2-40B4-BE49-F238E27FC236}">
-                <a16:creationId xmlns:a16="http://schemas.microsoft.com/office/drawing/2014/main" id="{10104E2A-114D-4C87-A2F4-54E2B55DBD65}"/>
+                <a16:creationId xmlns:a16="http://schemas.microsoft.com/office/drawing/2014/main" xmlns="" id="{10104E2A-114D-4C87-A2F4-54E2B55DBD65}"/>
               </a:ext>
             </a:extLst>
           </p:cNvPr>
@@ -2768,7 +2768,7 @@
           <p:cNvPr id="2" name="Title Placeholder 1">
             <a:extLst>
               <a:ext uri="{FF2B5EF4-FFF2-40B4-BE49-F238E27FC236}">
-                <a16:creationId xmlns:a16="http://schemas.microsoft.com/office/drawing/2014/main" id="{F7E7A06E-DBA5-4105-9BF7-AC74A4BCEE43}"/>
+                <a16:creationId xmlns:a16="http://schemas.microsoft.com/office/drawing/2014/main" xmlns="" id="{F7E7A06E-DBA5-4105-9BF7-AC74A4BCEE43}"/>
               </a:ext>
             </a:extLst>
           </p:cNvPr>
@@ -2806,7 +2806,7 @@
           <p:cNvPr id="3" name="Text Placeholder 2">
             <a:extLst>
               <a:ext uri="{FF2B5EF4-FFF2-40B4-BE49-F238E27FC236}">
-                <a16:creationId xmlns:a16="http://schemas.microsoft.com/office/drawing/2014/main" id="{5E87192F-3673-4B57-87C9-639DC7BCA8AF}"/>
+                <a16:creationId xmlns:a16="http://schemas.microsoft.com/office/drawing/2014/main" xmlns="" id="{5E87192F-3673-4B57-87C9-639DC7BCA8AF}"/>
               </a:ext>
             </a:extLst>
           </p:cNvPr>
@@ -2873,7 +2873,7 @@
           <p:cNvPr id="4" name="Date Placeholder 3">
             <a:extLst>
               <a:ext uri="{FF2B5EF4-FFF2-40B4-BE49-F238E27FC236}">
-                <a16:creationId xmlns:a16="http://schemas.microsoft.com/office/drawing/2014/main" id="{E92CE706-3BF9-4B47-AB3D-5C7CD0AECB6C}"/>
+                <a16:creationId xmlns:a16="http://schemas.microsoft.com/office/drawing/2014/main" xmlns="" id="{E92CE706-3BF9-4B47-AB3D-5C7CD0AECB6C}"/>
               </a:ext>
             </a:extLst>
           </p:cNvPr>
@@ -2920,7 +2920,7 @@
           <p:cNvPr id="5" name="Footer Placeholder 4">
             <a:extLst>
               <a:ext uri="{FF2B5EF4-FFF2-40B4-BE49-F238E27FC236}">
-                <a16:creationId xmlns:a16="http://schemas.microsoft.com/office/drawing/2014/main" id="{00B83401-B0B0-4923-BAB6-A27BC4BE5721}"/>
+                <a16:creationId xmlns:a16="http://schemas.microsoft.com/office/drawing/2014/main" xmlns="" id="{00B83401-B0B0-4923-BAB6-A27BC4BE5721}"/>
               </a:ext>
             </a:extLst>
           </p:cNvPr>
@@ -2963,7 +2963,7 @@
           <p:cNvPr id="6" name="Slide Number Placeholder 5">
             <a:extLst>
               <a:ext uri="{FF2B5EF4-FFF2-40B4-BE49-F238E27FC236}">
-                <a16:creationId xmlns:a16="http://schemas.microsoft.com/office/drawing/2014/main" id="{9C9A4238-2563-45D8-94D6-FF81F13BF824}"/>
+                <a16:creationId xmlns:a16="http://schemas.microsoft.com/office/drawing/2014/main" xmlns="" id="{9C9A4238-2563-45D8-94D6-FF81F13BF824}"/>
               </a:ext>
             </a:extLst>
           </p:cNvPr>
@@ -3331,7 +3331,7 @@
           <p:cNvPr id="5" name="Picture 4">
             <a:extLst>
               <a:ext uri="{FF2B5EF4-FFF2-40B4-BE49-F238E27FC236}">
-                <a16:creationId xmlns:a16="http://schemas.microsoft.com/office/drawing/2014/main" id="{6995FFB6-3609-422E-B164-9A4E6F63812D}"/>
+                <a16:creationId xmlns:a16="http://schemas.microsoft.com/office/drawing/2014/main" xmlns="" id="{6995FFB6-3609-422E-B164-9A4E6F63812D}"/>
               </a:ext>
             </a:extLst>
           </p:cNvPr>
@@ -3367,7 +3367,7 @@
           <p:cNvPr id="7" name="Picture 6">
             <a:extLst>
               <a:ext uri="{FF2B5EF4-FFF2-40B4-BE49-F238E27FC236}">
-                <a16:creationId xmlns:a16="http://schemas.microsoft.com/office/drawing/2014/main" id="{28D8666A-4564-4EA4-8E9D-659569B3C09B}"/>
+                <a16:creationId xmlns:a16="http://schemas.microsoft.com/office/drawing/2014/main" xmlns="" id="{28D8666A-4564-4EA4-8E9D-659569B3C09B}"/>
               </a:ext>
             </a:extLst>
           </p:cNvPr>
@@ -3390,7 +3390,7 @@
         </p:blipFill>
         <p:spPr>
           <a:xfrm>
-            <a:off x="2758788" y="153265"/>
+            <a:off x="2758788" y="77906"/>
             <a:ext cx="2888230" cy="2118544"/>
           </a:xfrm>
           <a:prstGeom prst="rect">
@@ -3403,7 +3403,7 @@
           <p:cNvPr id="9" name="Picture 8">
             <a:extLst>
               <a:ext uri="{FF2B5EF4-FFF2-40B4-BE49-F238E27FC236}">
-                <a16:creationId xmlns:a16="http://schemas.microsoft.com/office/drawing/2014/main" id="{1B15D43B-C791-4162-B09A-40763A5878D1}"/>
+                <a16:creationId xmlns:a16="http://schemas.microsoft.com/office/drawing/2014/main" xmlns="" id="{1B15D43B-C791-4162-B09A-40763A5878D1}"/>
               </a:ext>
             </a:extLst>
           </p:cNvPr>
@@ -3439,7 +3439,7 @@
           <p:cNvPr id="11" name="Picture 10">
             <a:extLst>
               <a:ext uri="{FF2B5EF4-FFF2-40B4-BE49-F238E27FC236}">
-                <a16:creationId xmlns:a16="http://schemas.microsoft.com/office/drawing/2014/main" id="{77601C19-63CA-4E19-B786-1024B909E0A2}"/>
+                <a16:creationId xmlns:a16="http://schemas.microsoft.com/office/drawing/2014/main" xmlns="" id="{77601C19-63CA-4E19-B786-1024B909E0A2}"/>
               </a:ext>
             </a:extLst>
           </p:cNvPr>
@@ -3462,7 +3462,7 @@
         </p:blipFill>
         <p:spPr>
           <a:xfrm>
-            <a:off x="5815732" y="153265"/>
+            <a:off x="353395" y="4659575"/>
             <a:ext cx="3581710" cy="754445"/>
           </a:xfrm>
           <a:prstGeom prst="rect">
@@ -3475,7 +3475,7 @@
           <p:cNvPr id="15" name="Picture 14">
             <a:extLst>
               <a:ext uri="{FF2B5EF4-FFF2-40B4-BE49-F238E27FC236}">
-                <a16:creationId xmlns:a16="http://schemas.microsoft.com/office/drawing/2014/main" id="{9508FC10-4D95-4AC2-9D09-80A24291EAC7}"/>
+                <a16:creationId xmlns:a16="http://schemas.microsoft.com/office/drawing/2014/main" xmlns="" id="{9508FC10-4D95-4AC2-9D09-80A24291EAC7}"/>
               </a:ext>
             </a:extLst>
           </p:cNvPr>
@@ -3498,7 +3498,7 @@
         </p:blipFill>
         <p:spPr>
           <a:xfrm>
-            <a:off x="5919100" y="980106"/>
+            <a:off x="5952236" y="1399923"/>
             <a:ext cx="5319221" cy="1287892"/>
           </a:xfrm>
           <a:prstGeom prst="rect">
@@ -3511,7 +3511,7 @@
           <p:cNvPr id="19" name="Picture 18">
             <a:extLst>
               <a:ext uri="{FF2B5EF4-FFF2-40B4-BE49-F238E27FC236}">
-                <a16:creationId xmlns:a16="http://schemas.microsoft.com/office/drawing/2014/main" id="{010359C5-0BFD-42A2-BCB7-A1AD0B17D181}"/>
+                <a16:creationId xmlns:a16="http://schemas.microsoft.com/office/drawing/2014/main" xmlns="" id="{010359C5-0BFD-42A2-BCB7-A1AD0B17D181}"/>
               </a:ext>
             </a:extLst>
           </p:cNvPr>
@@ -3547,7 +3547,7 @@
           <p:cNvPr id="25" name="Picture 24">
             <a:extLst>
               <a:ext uri="{FF2B5EF4-FFF2-40B4-BE49-F238E27FC236}">
-                <a16:creationId xmlns:a16="http://schemas.microsoft.com/office/drawing/2014/main" id="{38E45928-7D05-4A39-B5FC-A4AF334F3E2F}"/>
+                <a16:creationId xmlns:a16="http://schemas.microsoft.com/office/drawing/2014/main" xmlns="" id="{38E45928-7D05-4A39-B5FC-A4AF334F3E2F}"/>
               </a:ext>
             </a:extLst>
           </p:cNvPr>
@@ -3570,12 +3570,94 @@
         </p:blipFill>
         <p:spPr>
           <a:xfrm>
-            <a:off x="8995413" y="2616411"/>
-            <a:ext cx="2976848" cy="4086328"/>
+            <a:off x="8995413" y="2840396"/>
+            <a:ext cx="2976848" cy="3850105"/>
           </a:xfrm>
           <a:prstGeom prst="rect">
             <a:avLst/>
           </a:prstGeom>
+        </p:spPr>
+      </p:pic>
+      <p:pic>
+        <p:nvPicPr>
+          <p:cNvPr id="1026" name="Picture 2" descr="C:\Users\Mingqi.Wu\Desktop\select.PNG"/>
+          <p:cNvPicPr>
+            <a:picLocks noChangeAspect="1" noChangeArrowheads="1"/>
+          </p:cNvPicPr>
+          <p:nvPr/>
+        </p:nvPicPr>
+        <p:blipFill>
+          <a:blip r:embed="rId9">
+            <a:extLst>
+              <a:ext uri="{28A0092B-C50C-407E-A947-70E740481C1C}">
+                <a14:useLocalDpi xmlns:a14="http://schemas.microsoft.com/office/drawing/2010/main" val="0"/>
+              </a:ext>
+            </a:extLst>
+          </a:blip>
+          <a:srcRect/>
+          <a:stretch>
+            <a:fillRect/>
+          </a:stretch>
+        </p:blipFill>
+        <p:spPr bwMode="auto">
+          <a:xfrm>
+            <a:off x="5843954" y="101163"/>
+            <a:ext cx="5081546" cy="1255963"/>
+          </a:xfrm>
+          <a:prstGeom prst="rect">
+            <a:avLst/>
+          </a:prstGeom>
+          <a:noFill/>
+          <a:extLst>
+            <a:ext uri="{909E8E84-426E-40DD-AFC4-6F175D3DCCD1}">
+              <a14:hiddenFill xmlns:a14="http://schemas.microsoft.com/office/drawing/2010/main">
+                <a:solidFill>
+                  <a:srgbClr val="FFFFFF"/>
+                </a:solidFill>
+              </a14:hiddenFill>
+            </a:ext>
+          </a:extLst>
+        </p:spPr>
+      </p:pic>
+      <p:pic>
+        <p:nvPicPr>
+          <p:cNvPr id="1027" name="Picture 3" descr="C:\Users\Mingqi.Wu\Desktop\sum.PNG"/>
+          <p:cNvPicPr>
+            <a:picLocks noChangeAspect="1" noChangeArrowheads="1"/>
+          </p:cNvPicPr>
+          <p:nvPr/>
+        </p:nvPicPr>
+        <p:blipFill>
+          <a:blip r:embed="rId10">
+            <a:extLst>
+              <a:ext uri="{28A0092B-C50C-407E-A947-70E740481C1C}">
+                <a14:useLocalDpi xmlns:a14="http://schemas.microsoft.com/office/drawing/2010/main" val="0"/>
+              </a:ext>
+            </a:extLst>
+          </a:blip>
+          <a:srcRect/>
+          <a:stretch>
+            <a:fillRect/>
+          </a:stretch>
+        </p:blipFill>
+        <p:spPr bwMode="auto">
+          <a:xfrm>
+            <a:off x="5647018" y="2842073"/>
+            <a:ext cx="3165859" cy="3920620"/>
+          </a:xfrm>
+          <a:prstGeom prst="rect">
+            <a:avLst/>
+          </a:prstGeom>
+          <a:noFill/>
+          <a:extLst>
+            <a:ext uri="{909E8E84-426E-40DD-AFC4-6F175D3DCCD1}">
+              <a14:hiddenFill xmlns:a14="http://schemas.microsoft.com/office/drawing/2010/main">
+                <a:solidFill>
+                  <a:srgbClr val="FFFFFF"/>
+                </a:solidFill>
+              </a14:hiddenFill>
+            </a:ext>
+          </a:extLst>
         </p:spPr>
       </p:pic>
     </p:spTree>
@@ -3613,7 +3695,7 @@
           <p:cNvPr id="4" name="Picture 3">
             <a:extLst>
               <a:ext uri="{FF2B5EF4-FFF2-40B4-BE49-F238E27FC236}">
-                <a16:creationId xmlns:a16="http://schemas.microsoft.com/office/drawing/2014/main" id="{93D7FC3F-F299-4C0B-9E97-9B0C6A2C9281}"/>
+                <a16:creationId xmlns:a16="http://schemas.microsoft.com/office/drawing/2014/main" xmlns="" id="{93D7FC3F-F299-4C0B-9E97-9B0C6A2C9281}"/>
               </a:ext>
             </a:extLst>
           </p:cNvPr>
@@ -3649,7 +3731,7 @@
           <p:cNvPr id="5" name="Picture 4">
             <a:extLst>
               <a:ext uri="{FF2B5EF4-FFF2-40B4-BE49-F238E27FC236}">
-                <a16:creationId xmlns:a16="http://schemas.microsoft.com/office/drawing/2014/main" id="{69E6DB72-D6FF-4112-BF02-1266E59F818F}"/>
+                <a16:creationId xmlns:a16="http://schemas.microsoft.com/office/drawing/2014/main" xmlns="" id="{69E6DB72-D6FF-4112-BF02-1266E59F818F}"/>
               </a:ext>
             </a:extLst>
           </p:cNvPr>
@@ -3685,7 +3767,7 @@
           <p:cNvPr id="6" name="Picture 5">
             <a:extLst>
               <a:ext uri="{FF2B5EF4-FFF2-40B4-BE49-F238E27FC236}">
-                <a16:creationId xmlns:a16="http://schemas.microsoft.com/office/drawing/2014/main" id="{30042414-8979-405E-B1D4-10FB3CB7F5E9}"/>
+                <a16:creationId xmlns:a16="http://schemas.microsoft.com/office/drawing/2014/main" xmlns="" id="{30042414-8979-405E-B1D4-10FB3CB7F5E9}"/>
               </a:ext>
             </a:extLst>
           </p:cNvPr>
@@ -3721,7 +3803,7 @@
           <p:cNvPr id="10" name="Picture 9">
             <a:extLst>
               <a:ext uri="{FF2B5EF4-FFF2-40B4-BE49-F238E27FC236}">
-                <a16:creationId xmlns:a16="http://schemas.microsoft.com/office/drawing/2014/main" id="{EFDD5C8B-0E4E-4B31-BDDE-884E951C798A}"/>
+                <a16:creationId xmlns:a16="http://schemas.microsoft.com/office/drawing/2014/main" xmlns="" id="{EFDD5C8B-0E4E-4B31-BDDE-884E951C798A}"/>
               </a:ext>
             </a:extLst>
           </p:cNvPr>
@@ -3757,7 +3839,7 @@
           <p:cNvPr id="12" name="Picture 11">
             <a:extLst>
               <a:ext uri="{FF2B5EF4-FFF2-40B4-BE49-F238E27FC236}">
-                <a16:creationId xmlns:a16="http://schemas.microsoft.com/office/drawing/2014/main" id="{E1F5A93A-D399-49B8-863D-9A5AB5F1196F}"/>
+                <a16:creationId xmlns:a16="http://schemas.microsoft.com/office/drawing/2014/main" xmlns="" id="{E1F5A93A-D399-49B8-863D-9A5AB5F1196F}"/>
               </a:ext>
             </a:extLst>
           </p:cNvPr>
@@ -3793,7 +3875,7 @@
           <p:cNvPr id="16" name="Picture 15">
             <a:extLst>
               <a:ext uri="{FF2B5EF4-FFF2-40B4-BE49-F238E27FC236}">
-                <a16:creationId xmlns:a16="http://schemas.microsoft.com/office/drawing/2014/main" id="{30BB0FA1-C852-4445-B2E5-1054611F2ADF}"/>
+                <a16:creationId xmlns:a16="http://schemas.microsoft.com/office/drawing/2014/main" xmlns="" id="{30BB0FA1-C852-4445-B2E5-1054611F2ADF}"/>
               </a:ext>
             </a:extLst>
           </p:cNvPr>
@@ -3829,7 +3911,7 @@
           <p:cNvPr id="18" name="Straight Connector 17">
             <a:extLst>
               <a:ext uri="{FF2B5EF4-FFF2-40B4-BE49-F238E27FC236}">
-                <a16:creationId xmlns:a16="http://schemas.microsoft.com/office/drawing/2014/main" id="{2C6B949E-8B94-4A6C-822E-7AFC55ECD833}"/>
+                <a16:creationId xmlns:a16="http://schemas.microsoft.com/office/drawing/2014/main" xmlns="" id="{2C6B949E-8B94-4A6C-822E-7AFC55ECD833}"/>
               </a:ext>
             </a:extLst>
           </p:cNvPr>
@@ -3870,7 +3952,7 @@
           <p:cNvPr id="19" name="Straight Connector 18">
             <a:extLst>
               <a:ext uri="{FF2B5EF4-FFF2-40B4-BE49-F238E27FC236}">
-                <a16:creationId xmlns:a16="http://schemas.microsoft.com/office/drawing/2014/main" id="{600F7C2C-62CC-4483-B695-3ED22CADE28C}"/>
+                <a16:creationId xmlns:a16="http://schemas.microsoft.com/office/drawing/2014/main" xmlns="" id="{600F7C2C-62CC-4483-B695-3ED22CADE28C}"/>
               </a:ext>
             </a:extLst>
           </p:cNvPr>
@@ -3911,7 +3993,7 @@
           <p:cNvPr id="21" name="Picture 20">
             <a:extLst>
               <a:ext uri="{FF2B5EF4-FFF2-40B4-BE49-F238E27FC236}">
-                <a16:creationId xmlns:a16="http://schemas.microsoft.com/office/drawing/2014/main" id="{73B8EAE6-6285-4F1D-9060-F079140C3A6C}"/>
+                <a16:creationId xmlns:a16="http://schemas.microsoft.com/office/drawing/2014/main" xmlns="" id="{73B8EAE6-6285-4F1D-9060-F079140C3A6C}"/>
               </a:ext>
             </a:extLst>
           </p:cNvPr>
@@ -3947,7 +4029,7 @@
           <p:cNvPr id="23" name="Picture 22">
             <a:extLst>
               <a:ext uri="{FF2B5EF4-FFF2-40B4-BE49-F238E27FC236}">
-                <a16:creationId xmlns:a16="http://schemas.microsoft.com/office/drawing/2014/main" id="{A0497DEA-4D21-43E7-98B5-A69A261263AE}"/>
+                <a16:creationId xmlns:a16="http://schemas.microsoft.com/office/drawing/2014/main" xmlns="" id="{A0497DEA-4D21-43E7-98B5-A69A261263AE}"/>
               </a:ext>
             </a:extLst>
           </p:cNvPr>
@@ -3983,7 +4065,7 @@
           <p:cNvPr id="25" name="Picture 24">
             <a:extLst>
               <a:ext uri="{FF2B5EF4-FFF2-40B4-BE49-F238E27FC236}">
-                <a16:creationId xmlns:a16="http://schemas.microsoft.com/office/drawing/2014/main" id="{21603963-A38E-4674-9CCA-7192DF9EC794}"/>
+                <a16:creationId xmlns:a16="http://schemas.microsoft.com/office/drawing/2014/main" xmlns="" id="{21603963-A38E-4674-9CCA-7192DF9EC794}"/>
               </a:ext>
             </a:extLst>
           </p:cNvPr>
@@ -4316,7 +4398,7 @@
   <a:extraClrSchemeLst/>
   <a:extLst>
     <a:ext uri="{05A4C25C-085E-4340-85A3-A5531E510DB2}">
-      <thm15:themeFamily xmlns:thm15="http://schemas.microsoft.com/office/thememl/2012/main" name="Office Theme" id="{62F939B6-93AF-4DB8-9C6B-D6C7DFDC589F}" vid="{4A3C46E8-61CC-4603-A589-7422A47A8E4A}"/>
+      <thm15:themeFamily xmlns:thm15="http://schemas.microsoft.com/office/thememl/2012/main" xmlns="" name="Office Theme" id="{62F939B6-93AF-4DB8-9C6B-D6C7DFDC589F}" vid="{4A3C46E8-61CC-4603-A589-7422A47A8E4A}"/>
     </a:ext>
   </a:extLst>
 </a:theme>

--- a/dplyr.pptx
+++ b/dplyr.pptx
@@ -134,7 +134,7 @@
           <p:cNvPr id="2" name="Title 1">
             <a:extLst>
               <a:ext uri="{FF2B5EF4-FFF2-40B4-BE49-F238E27FC236}">
-                <a16:creationId xmlns:a16="http://schemas.microsoft.com/office/drawing/2014/main" xmlns="" id="{2ADD68F8-65CC-49D5-96E7-564E0CF97B9E}"/>
+                <a16:creationId xmlns="" xmlns:a16="http://schemas.microsoft.com/office/drawing/2014/main" id="{2ADD68F8-65CC-49D5-96E7-564E0CF97B9E}"/>
               </a:ext>
             </a:extLst>
           </p:cNvPr>
@@ -171,7 +171,7 @@
           <p:cNvPr id="3" name="Subtitle 2">
             <a:extLst>
               <a:ext uri="{FF2B5EF4-FFF2-40B4-BE49-F238E27FC236}">
-                <a16:creationId xmlns:a16="http://schemas.microsoft.com/office/drawing/2014/main" xmlns="" id="{E5C93FC5-33B0-4746-82C8-4AF66FF545D5}"/>
+                <a16:creationId xmlns="" xmlns:a16="http://schemas.microsoft.com/office/drawing/2014/main" id="{E5C93FC5-33B0-4746-82C8-4AF66FF545D5}"/>
               </a:ext>
             </a:extLst>
           </p:cNvPr>
@@ -241,7 +241,7 @@
           <p:cNvPr id="4" name="Date Placeholder 3">
             <a:extLst>
               <a:ext uri="{FF2B5EF4-FFF2-40B4-BE49-F238E27FC236}">
-                <a16:creationId xmlns:a16="http://schemas.microsoft.com/office/drawing/2014/main" xmlns="" id="{B8890B8B-5F8A-4EF7-9745-AFE7A20F67F4}"/>
+                <a16:creationId xmlns="" xmlns:a16="http://schemas.microsoft.com/office/drawing/2014/main" id="{B8890B8B-5F8A-4EF7-9745-AFE7A20F67F4}"/>
               </a:ext>
             </a:extLst>
           </p:cNvPr>
@@ -259,7 +259,7 @@
           <a:p>
             <a:fld id="{96A6E203-295F-4703-AD0A-66479580568A}" type="datetimeFigureOut">
               <a:rPr lang="en-US" smtClean="0"/>
-              <a:t>3/9/2018</a:t>
+              <a:t>3/10/2018</a:t>
             </a:fld>
             <a:endParaRPr lang="en-US"/>
           </a:p>
@@ -270,7 +270,7 @@
           <p:cNvPr id="5" name="Footer Placeholder 4">
             <a:extLst>
               <a:ext uri="{FF2B5EF4-FFF2-40B4-BE49-F238E27FC236}">
-                <a16:creationId xmlns:a16="http://schemas.microsoft.com/office/drawing/2014/main" xmlns="" id="{A7232056-2E9B-402A-ACAE-63AD757E3342}"/>
+                <a16:creationId xmlns="" xmlns:a16="http://schemas.microsoft.com/office/drawing/2014/main" id="{A7232056-2E9B-402A-ACAE-63AD757E3342}"/>
               </a:ext>
             </a:extLst>
           </p:cNvPr>
@@ -295,7 +295,7 @@
           <p:cNvPr id="6" name="Slide Number Placeholder 5">
             <a:extLst>
               <a:ext uri="{FF2B5EF4-FFF2-40B4-BE49-F238E27FC236}">
-                <a16:creationId xmlns:a16="http://schemas.microsoft.com/office/drawing/2014/main" xmlns="" id="{7CE39E75-C3CF-4E65-8692-49C77B7CCA07}"/>
+                <a16:creationId xmlns="" xmlns:a16="http://schemas.microsoft.com/office/drawing/2014/main" id="{7CE39E75-C3CF-4E65-8692-49C77B7CCA07}"/>
               </a:ext>
             </a:extLst>
           </p:cNvPr>
@@ -354,7 +354,7 @@
           <p:cNvPr id="2" name="Title 1">
             <a:extLst>
               <a:ext uri="{FF2B5EF4-FFF2-40B4-BE49-F238E27FC236}">
-                <a16:creationId xmlns:a16="http://schemas.microsoft.com/office/drawing/2014/main" xmlns="" id="{08B6190B-5341-44AA-A9BA-0AE278589C7A}"/>
+                <a16:creationId xmlns="" xmlns:a16="http://schemas.microsoft.com/office/drawing/2014/main" id="{08B6190B-5341-44AA-A9BA-0AE278589C7A}"/>
               </a:ext>
             </a:extLst>
           </p:cNvPr>
@@ -382,7 +382,7 @@
           <p:cNvPr id="3" name="Vertical Text Placeholder 2">
             <a:extLst>
               <a:ext uri="{FF2B5EF4-FFF2-40B4-BE49-F238E27FC236}">
-                <a16:creationId xmlns:a16="http://schemas.microsoft.com/office/drawing/2014/main" xmlns="" id="{AE75C41E-48B7-4334-A7F4-65805B3406ED}"/>
+                <a16:creationId xmlns="" xmlns:a16="http://schemas.microsoft.com/office/drawing/2014/main" id="{AE75C41E-48B7-4334-A7F4-65805B3406ED}"/>
               </a:ext>
             </a:extLst>
           </p:cNvPr>
@@ -439,7 +439,7 @@
           <p:cNvPr id="4" name="Date Placeholder 3">
             <a:extLst>
               <a:ext uri="{FF2B5EF4-FFF2-40B4-BE49-F238E27FC236}">
-                <a16:creationId xmlns:a16="http://schemas.microsoft.com/office/drawing/2014/main" xmlns="" id="{BE7278B8-C679-49D2-A3A0-A01EFC95E214}"/>
+                <a16:creationId xmlns="" xmlns:a16="http://schemas.microsoft.com/office/drawing/2014/main" id="{BE7278B8-C679-49D2-A3A0-A01EFC95E214}"/>
               </a:ext>
             </a:extLst>
           </p:cNvPr>
@@ -457,7 +457,7 @@
           <a:p>
             <a:fld id="{96A6E203-295F-4703-AD0A-66479580568A}" type="datetimeFigureOut">
               <a:rPr lang="en-US" smtClean="0"/>
-              <a:t>3/9/2018</a:t>
+              <a:t>3/10/2018</a:t>
             </a:fld>
             <a:endParaRPr lang="en-US"/>
           </a:p>
@@ -468,7 +468,7 @@
           <p:cNvPr id="5" name="Footer Placeholder 4">
             <a:extLst>
               <a:ext uri="{FF2B5EF4-FFF2-40B4-BE49-F238E27FC236}">
-                <a16:creationId xmlns:a16="http://schemas.microsoft.com/office/drawing/2014/main" xmlns="" id="{4D23E99C-AB03-4E37-A934-A7C99B87B3F9}"/>
+                <a16:creationId xmlns="" xmlns:a16="http://schemas.microsoft.com/office/drawing/2014/main" id="{4D23E99C-AB03-4E37-A934-A7C99B87B3F9}"/>
               </a:ext>
             </a:extLst>
           </p:cNvPr>
@@ -493,7 +493,7 @@
           <p:cNvPr id="6" name="Slide Number Placeholder 5">
             <a:extLst>
               <a:ext uri="{FF2B5EF4-FFF2-40B4-BE49-F238E27FC236}">
-                <a16:creationId xmlns:a16="http://schemas.microsoft.com/office/drawing/2014/main" xmlns="" id="{B5477016-0252-4A51-8707-73920306F3EC}"/>
+                <a16:creationId xmlns="" xmlns:a16="http://schemas.microsoft.com/office/drawing/2014/main" id="{B5477016-0252-4A51-8707-73920306F3EC}"/>
               </a:ext>
             </a:extLst>
           </p:cNvPr>
@@ -552,7 +552,7 @@
           <p:cNvPr id="2" name="Vertical Title 1">
             <a:extLst>
               <a:ext uri="{FF2B5EF4-FFF2-40B4-BE49-F238E27FC236}">
-                <a16:creationId xmlns:a16="http://schemas.microsoft.com/office/drawing/2014/main" xmlns="" id="{EFEFAE5B-292F-42FC-B0D4-E74EE5C57F2C}"/>
+                <a16:creationId xmlns="" xmlns:a16="http://schemas.microsoft.com/office/drawing/2014/main" id="{EFEFAE5B-292F-42FC-B0D4-E74EE5C57F2C}"/>
               </a:ext>
             </a:extLst>
           </p:cNvPr>
@@ -585,7 +585,7 @@
           <p:cNvPr id="3" name="Vertical Text Placeholder 2">
             <a:extLst>
               <a:ext uri="{FF2B5EF4-FFF2-40B4-BE49-F238E27FC236}">
-                <a16:creationId xmlns:a16="http://schemas.microsoft.com/office/drawing/2014/main" xmlns="" id="{155434E9-9C74-4845-A236-8E94DA936CD8}"/>
+                <a16:creationId xmlns="" xmlns:a16="http://schemas.microsoft.com/office/drawing/2014/main" id="{155434E9-9C74-4845-A236-8E94DA936CD8}"/>
               </a:ext>
             </a:extLst>
           </p:cNvPr>
@@ -647,7 +647,7 @@
           <p:cNvPr id="4" name="Date Placeholder 3">
             <a:extLst>
               <a:ext uri="{FF2B5EF4-FFF2-40B4-BE49-F238E27FC236}">
-                <a16:creationId xmlns:a16="http://schemas.microsoft.com/office/drawing/2014/main" xmlns="" id="{FD73FD45-B8DB-4DB6-B2B6-30D095BC2DC2}"/>
+                <a16:creationId xmlns="" xmlns:a16="http://schemas.microsoft.com/office/drawing/2014/main" id="{FD73FD45-B8DB-4DB6-B2B6-30D095BC2DC2}"/>
               </a:ext>
             </a:extLst>
           </p:cNvPr>
@@ -665,7 +665,7 @@
           <a:p>
             <a:fld id="{96A6E203-295F-4703-AD0A-66479580568A}" type="datetimeFigureOut">
               <a:rPr lang="en-US" smtClean="0"/>
-              <a:t>3/9/2018</a:t>
+              <a:t>3/10/2018</a:t>
             </a:fld>
             <a:endParaRPr lang="en-US"/>
           </a:p>
@@ -676,7 +676,7 @@
           <p:cNvPr id="5" name="Footer Placeholder 4">
             <a:extLst>
               <a:ext uri="{FF2B5EF4-FFF2-40B4-BE49-F238E27FC236}">
-                <a16:creationId xmlns:a16="http://schemas.microsoft.com/office/drawing/2014/main" xmlns="" id="{2554D389-E886-4B9F-80DF-289A2BA8DC2A}"/>
+                <a16:creationId xmlns="" xmlns:a16="http://schemas.microsoft.com/office/drawing/2014/main" id="{2554D389-E886-4B9F-80DF-289A2BA8DC2A}"/>
               </a:ext>
             </a:extLst>
           </p:cNvPr>
@@ -701,7 +701,7 @@
           <p:cNvPr id="6" name="Slide Number Placeholder 5">
             <a:extLst>
               <a:ext uri="{FF2B5EF4-FFF2-40B4-BE49-F238E27FC236}">
-                <a16:creationId xmlns:a16="http://schemas.microsoft.com/office/drawing/2014/main" xmlns="" id="{632C1A17-F938-405D-B557-D3FDC1605A0A}"/>
+                <a16:creationId xmlns="" xmlns:a16="http://schemas.microsoft.com/office/drawing/2014/main" id="{632C1A17-F938-405D-B557-D3FDC1605A0A}"/>
               </a:ext>
             </a:extLst>
           </p:cNvPr>
@@ -760,7 +760,7 @@
           <p:cNvPr id="2" name="Title 1">
             <a:extLst>
               <a:ext uri="{FF2B5EF4-FFF2-40B4-BE49-F238E27FC236}">
-                <a16:creationId xmlns:a16="http://schemas.microsoft.com/office/drawing/2014/main" xmlns="" id="{E317C87C-D579-4444-8054-418ACF046FA2}"/>
+                <a16:creationId xmlns="" xmlns:a16="http://schemas.microsoft.com/office/drawing/2014/main" id="{E317C87C-D579-4444-8054-418ACF046FA2}"/>
               </a:ext>
             </a:extLst>
           </p:cNvPr>
@@ -788,7 +788,7 @@
           <p:cNvPr id="3" name="Content Placeholder 2">
             <a:extLst>
               <a:ext uri="{FF2B5EF4-FFF2-40B4-BE49-F238E27FC236}">
-                <a16:creationId xmlns:a16="http://schemas.microsoft.com/office/drawing/2014/main" xmlns="" id="{839D07AF-C1CC-4DB7-BA79-C3010136DE6C}"/>
+                <a16:creationId xmlns="" xmlns:a16="http://schemas.microsoft.com/office/drawing/2014/main" id="{839D07AF-C1CC-4DB7-BA79-C3010136DE6C}"/>
               </a:ext>
             </a:extLst>
           </p:cNvPr>
@@ -845,7 +845,7 @@
           <p:cNvPr id="4" name="Date Placeholder 3">
             <a:extLst>
               <a:ext uri="{FF2B5EF4-FFF2-40B4-BE49-F238E27FC236}">
-                <a16:creationId xmlns:a16="http://schemas.microsoft.com/office/drawing/2014/main" xmlns="" id="{0B19E308-0BF4-4EA4-8EE3-D7577CD53BFC}"/>
+                <a16:creationId xmlns="" xmlns:a16="http://schemas.microsoft.com/office/drawing/2014/main" id="{0B19E308-0BF4-4EA4-8EE3-D7577CD53BFC}"/>
               </a:ext>
             </a:extLst>
           </p:cNvPr>
@@ -863,7 +863,7 @@
           <a:p>
             <a:fld id="{96A6E203-295F-4703-AD0A-66479580568A}" type="datetimeFigureOut">
               <a:rPr lang="en-US" smtClean="0"/>
-              <a:t>3/9/2018</a:t>
+              <a:t>3/10/2018</a:t>
             </a:fld>
             <a:endParaRPr lang="en-US"/>
           </a:p>
@@ -874,7 +874,7 @@
           <p:cNvPr id="5" name="Footer Placeholder 4">
             <a:extLst>
               <a:ext uri="{FF2B5EF4-FFF2-40B4-BE49-F238E27FC236}">
-                <a16:creationId xmlns:a16="http://schemas.microsoft.com/office/drawing/2014/main" xmlns="" id="{83DDE75C-57ED-4EC7-B4D8-C8465929730F}"/>
+                <a16:creationId xmlns="" xmlns:a16="http://schemas.microsoft.com/office/drawing/2014/main" id="{83DDE75C-57ED-4EC7-B4D8-C8465929730F}"/>
               </a:ext>
             </a:extLst>
           </p:cNvPr>
@@ -899,7 +899,7 @@
           <p:cNvPr id="6" name="Slide Number Placeholder 5">
             <a:extLst>
               <a:ext uri="{FF2B5EF4-FFF2-40B4-BE49-F238E27FC236}">
-                <a16:creationId xmlns:a16="http://schemas.microsoft.com/office/drawing/2014/main" xmlns="" id="{7C61F4D3-CC4A-4FE8-A72C-5F8935FDA369}"/>
+                <a16:creationId xmlns="" xmlns:a16="http://schemas.microsoft.com/office/drawing/2014/main" id="{7C61F4D3-CC4A-4FE8-A72C-5F8935FDA369}"/>
               </a:ext>
             </a:extLst>
           </p:cNvPr>
@@ -958,7 +958,7 @@
           <p:cNvPr id="2" name="Title 1">
             <a:extLst>
               <a:ext uri="{FF2B5EF4-FFF2-40B4-BE49-F238E27FC236}">
-                <a16:creationId xmlns:a16="http://schemas.microsoft.com/office/drawing/2014/main" xmlns="" id="{955C59E7-6162-4355-B93F-7FF3E4D020BD}"/>
+                <a16:creationId xmlns="" xmlns:a16="http://schemas.microsoft.com/office/drawing/2014/main" id="{955C59E7-6162-4355-B93F-7FF3E4D020BD}"/>
               </a:ext>
             </a:extLst>
           </p:cNvPr>
@@ -995,7 +995,7 @@
           <p:cNvPr id="3" name="Text Placeholder 2">
             <a:extLst>
               <a:ext uri="{FF2B5EF4-FFF2-40B4-BE49-F238E27FC236}">
-                <a16:creationId xmlns:a16="http://schemas.microsoft.com/office/drawing/2014/main" xmlns="" id="{2F730E38-3045-46EA-876A-F2BC84CE6C52}"/>
+                <a16:creationId xmlns="" xmlns:a16="http://schemas.microsoft.com/office/drawing/2014/main" id="{2F730E38-3045-46EA-876A-F2BC84CE6C52}"/>
               </a:ext>
             </a:extLst>
           </p:cNvPr>
@@ -1120,7 +1120,7 @@
           <p:cNvPr id="4" name="Date Placeholder 3">
             <a:extLst>
               <a:ext uri="{FF2B5EF4-FFF2-40B4-BE49-F238E27FC236}">
-                <a16:creationId xmlns:a16="http://schemas.microsoft.com/office/drawing/2014/main" xmlns="" id="{841386E2-BD36-43E7-B138-4E9CEB167713}"/>
+                <a16:creationId xmlns="" xmlns:a16="http://schemas.microsoft.com/office/drawing/2014/main" id="{841386E2-BD36-43E7-B138-4E9CEB167713}"/>
               </a:ext>
             </a:extLst>
           </p:cNvPr>
@@ -1138,7 +1138,7 @@
           <a:p>
             <a:fld id="{96A6E203-295F-4703-AD0A-66479580568A}" type="datetimeFigureOut">
               <a:rPr lang="en-US" smtClean="0"/>
-              <a:t>3/9/2018</a:t>
+              <a:t>3/10/2018</a:t>
             </a:fld>
             <a:endParaRPr lang="en-US"/>
           </a:p>
@@ -1149,7 +1149,7 @@
           <p:cNvPr id="5" name="Footer Placeholder 4">
             <a:extLst>
               <a:ext uri="{FF2B5EF4-FFF2-40B4-BE49-F238E27FC236}">
-                <a16:creationId xmlns:a16="http://schemas.microsoft.com/office/drawing/2014/main" xmlns="" id="{1884EAF2-3070-469C-BD64-1C608BEB3096}"/>
+                <a16:creationId xmlns="" xmlns:a16="http://schemas.microsoft.com/office/drawing/2014/main" id="{1884EAF2-3070-469C-BD64-1C608BEB3096}"/>
               </a:ext>
             </a:extLst>
           </p:cNvPr>
@@ -1174,7 +1174,7 @@
           <p:cNvPr id="6" name="Slide Number Placeholder 5">
             <a:extLst>
               <a:ext uri="{FF2B5EF4-FFF2-40B4-BE49-F238E27FC236}">
-                <a16:creationId xmlns:a16="http://schemas.microsoft.com/office/drawing/2014/main" xmlns="" id="{5540B70C-8930-4116-A8F7-C8AB6F170FCB}"/>
+                <a16:creationId xmlns="" xmlns:a16="http://schemas.microsoft.com/office/drawing/2014/main" id="{5540B70C-8930-4116-A8F7-C8AB6F170FCB}"/>
               </a:ext>
             </a:extLst>
           </p:cNvPr>
@@ -1233,7 +1233,7 @@
           <p:cNvPr id="2" name="Title 1">
             <a:extLst>
               <a:ext uri="{FF2B5EF4-FFF2-40B4-BE49-F238E27FC236}">
-                <a16:creationId xmlns:a16="http://schemas.microsoft.com/office/drawing/2014/main" xmlns="" id="{3BF2BDDB-8ED1-49FD-B5A9-203949826C2D}"/>
+                <a16:creationId xmlns="" xmlns:a16="http://schemas.microsoft.com/office/drawing/2014/main" id="{3BF2BDDB-8ED1-49FD-B5A9-203949826C2D}"/>
               </a:ext>
             </a:extLst>
           </p:cNvPr>
@@ -1261,7 +1261,7 @@
           <p:cNvPr id="3" name="Content Placeholder 2">
             <a:extLst>
               <a:ext uri="{FF2B5EF4-FFF2-40B4-BE49-F238E27FC236}">
-                <a16:creationId xmlns:a16="http://schemas.microsoft.com/office/drawing/2014/main" xmlns="" id="{5B66C0A8-17D0-460E-A60F-9985873D46A5}"/>
+                <a16:creationId xmlns="" xmlns:a16="http://schemas.microsoft.com/office/drawing/2014/main" id="{5B66C0A8-17D0-460E-A60F-9985873D46A5}"/>
               </a:ext>
             </a:extLst>
           </p:cNvPr>
@@ -1323,7 +1323,7 @@
           <p:cNvPr id="4" name="Content Placeholder 3">
             <a:extLst>
               <a:ext uri="{FF2B5EF4-FFF2-40B4-BE49-F238E27FC236}">
-                <a16:creationId xmlns:a16="http://schemas.microsoft.com/office/drawing/2014/main" xmlns="" id="{5D25E4C3-D52D-455E-94CB-EF20A0877EB9}"/>
+                <a16:creationId xmlns="" xmlns:a16="http://schemas.microsoft.com/office/drawing/2014/main" id="{5D25E4C3-D52D-455E-94CB-EF20A0877EB9}"/>
               </a:ext>
             </a:extLst>
           </p:cNvPr>
@@ -1385,7 +1385,7 @@
           <p:cNvPr id="5" name="Date Placeholder 4">
             <a:extLst>
               <a:ext uri="{FF2B5EF4-FFF2-40B4-BE49-F238E27FC236}">
-                <a16:creationId xmlns:a16="http://schemas.microsoft.com/office/drawing/2014/main" xmlns="" id="{80E558FF-3C3C-4AFB-A54B-0D9486554138}"/>
+                <a16:creationId xmlns="" xmlns:a16="http://schemas.microsoft.com/office/drawing/2014/main" id="{80E558FF-3C3C-4AFB-A54B-0D9486554138}"/>
               </a:ext>
             </a:extLst>
           </p:cNvPr>
@@ -1403,7 +1403,7 @@
           <a:p>
             <a:fld id="{96A6E203-295F-4703-AD0A-66479580568A}" type="datetimeFigureOut">
               <a:rPr lang="en-US" smtClean="0"/>
-              <a:t>3/9/2018</a:t>
+              <a:t>3/10/2018</a:t>
             </a:fld>
             <a:endParaRPr lang="en-US"/>
           </a:p>
@@ -1414,7 +1414,7 @@
           <p:cNvPr id="6" name="Footer Placeholder 5">
             <a:extLst>
               <a:ext uri="{FF2B5EF4-FFF2-40B4-BE49-F238E27FC236}">
-                <a16:creationId xmlns:a16="http://schemas.microsoft.com/office/drawing/2014/main" xmlns="" id="{234320FE-85D2-46B5-8293-615BA6FE6FEB}"/>
+                <a16:creationId xmlns="" xmlns:a16="http://schemas.microsoft.com/office/drawing/2014/main" id="{234320FE-85D2-46B5-8293-615BA6FE6FEB}"/>
               </a:ext>
             </a:extLst>
           </p:cNvPr>
@@ -1439,7 +1439,7 @@
           <p:cNvPr id="7" name="Slide Number Placeholder 6">
             <a:extLst>
               <a:ext uri="{FF2B5EF4-FFF2-40B4-BE49-F238E27FC236}">
-                <a16:creationId xmlns:a16="http://schemas.microsoft.com/office/drawing/2014/main" xmlns="" id="{AAEA6CEB-1880-4AE9-B008-683B3F171973}"/>
+                <a16:creationId xmlns="" xmlns:a16="http://schemas.microsoft.com/office/drawing/2014/main" id="{AAEA6CEB-1880-4AE9-B008-683B3F171973}"/>
               </a:ext>
             </a:extLst>
           </p:cNvPr>
@@ -1498,7 +1498,7 @@
           <p:cNvPr id="2" name="Title 1">
             <a:extLst>
               <a:ext uri="{FF2B5EF4-FFF2-40B4-BE49-F238E27FC236}">
-                <a16:creationId xmlns:a16="http://schemas.microsoft.com/office/drawing/2014/main" xmlns="" id="{4CBA7D1A-B81A-4A62-B17D-88BE911AAA4E}"/>
+                <a16:creationId xmlns="" xmlns:a16="http://schemas.microsoft.com/office/drawing/2014/main" id="{4CBA7D1A-B81A-4A62-B17D-88BE911AAA4E}"/>
               </a:ext>
             </a:extLst>
           </p:cNvPr>
@@ -1531,7 +1531,7 @@
           <p:cNvPr id="3" name="Text Placeholder 2">
             <a:extLst>
               <a:ext uri="{FF2B5EF4-FFF2-40B4-BE49-F238E27FC236}">
-                <a16:creationId xmlns:a16="http://schemas.microsoft.com/office/drawing/2014/main" xmlns="" id="{DAB55C94-CBCC-4FBF-8EC7-D510FE3E3ED2}"/>
+                <a16:creationId xmlns="" xmlns:a16="http://schemas.microsoft.com/office/drawing/2014/main" id="{DAB55C94-CBCC-4FBF-8EC7-D510FE3E3ED2}"/>
               </a:ext>
             </a:extLst>
           </p:cNvPr>
@@ -1602,7 +1602,7 @@
           <p:cNvPr id="4" name="Content Placeholder 3">
             <a:extLst>
               <a:ext uri="{FF2B5EF4-FFF2-40B4-BE49-F238E27FC236}">
-                <a16:creationId xmlns:a16="http://schemas.microsoft.com/office/drawing/2014/main" xmlns="" id="{57322148-7370-4E9E-9B32-AAEF2E2A0A3C}"/>
+                <a16:creationId xmlns="" xmlns:a16="http://schemas.microsoft.com/office/drawing/2014/main" id="{57322148-7370-4E9E-9B32-AAEF2E2A0A3C}"/>
               </a:ext>
             </a:extLst>
           </p:cNvPr>
@@ -1664,7 +1664,7 @@
           <p:cNvPr id="5" name="Text Placeholder 4">
             <a:extLst>
               <a:ext uri="{FF2B5EF4-FFF2-40B4-BE49-F238E27FC236}">
-                <a16:creationId xmlns:a16="http://schemas.microsoft.com/office/drawing/2014/main" xmlns="" id="{D920BB62-E9EA-4D94-A3B9-4C4F641CA1E9}"/>
+                <a16:creationId xmlns="" xmlns:a16="http://schemas.microsoft.com/office/drawing/2014/main" id="{D920BB62-E9EA-4D94-A3B9-4C4F641CA1E9}"/>
               </a:ext>
             </a:extLst>
           </p:cNvPr>
@@ -1735,7 +1735,7 @@
           <p:cNvPr id="6" name="Content Placeholder 5">
             <a:extLst>
               <a:ext uri="{FF2B5EF4-FFF2-40B4-BE49-F238E27FC236}">
-                <a16:creationId xmlns:a16="http://schemas.microsoft.com/office/drawing/2014/main" xmlns="" id="{3DF67297-C47C-4B1A-9CDC-43E92DC86F03}"/>
+                <a16:creationId xmlns="" xmlns:a16="http://schemas.microsoft.com/office/drawing/2014/main" id="{3DF67297-C47C-4B1A-9CDC-43E92DC86F03}"/>
               </a:ext>
             </a:extLst>
           </p:cNvPr>
@@ -1797,7 +1797,7 @@
           <p:cNvPr id="7" name="Date Placeholder 6">
             <a:extLst>
               <a:ext uri="{FF2B5EF4-FFF2-40B4-BE49-F238E27FC236}">
-                <a16:creationId xmlns:a16="http://schemas.microsoft.com/office/drawing/2014/main" xmlns="" id="{677DD904-7CAF-4C6C-9E80-E966D57AD7A9}"/>
+                <a16:creationId xmlns="" xmlns:a16="http://schemas.microsoft.com/office/drawing/2014/main" id="{677DD904-7CAF-4C6C-9E80-E966D57AD7A9}"/>
               </a:ext>
             </a:extLst>
           </p:cNvPr>
@@ -1815,7 +1815,7 @@
           <a:p>
             <a:fld id="{96A6E203-295F-4703-AD0A-66479580568A}" type="datetimeFigureOut">
               <a:rPr lang="en-US" smtClean="0"/>
-              <a:t>3/9/2018</a:t>
+              <a:t>3/10/2018</a:t>
             </a:fld>
             <a:endParaRPr lang="en-US"/>
           </a:p>
@@ -1826,7 +1826,7 @@
           <p:cNvPr id="8" name="Footer Placeholder 7">
             <a:extLst>
               <a:ext uri="{FF2B5EF4-FFF2-40B4-BE49-F238E27FC236}">
-                <a16:creationId xmlns:a16="http://schemas.microsoft.com/office/drawing/2014/main" xmlns="" id="{FCF533B1-3981-4E46-B2A2-A21388859A46}"/>
+                <a16:creationId xmlns="" xmlns:a16="http://schemas.microsoft.com/office/drawing/2014/main" id="{FCF533B1-3981-4E46-B2A2-A21388859A46}"/>
               </a:ext>
             </a:extLst>
           </p:cNvPr>
@@ -1851,7 +1851,7 @@
           <p:cNvPr id="9" name="Slide Number Placeholder 8">
             <a:extLst>
               <a:ext uri="{FF2B5EF4-FFF2-40B4-BE49-F238E27FC236}">
-                <a16:creationId xmlns:a16="http://schemas.microsoft.com/office/drawing/2014/main" xmlns="" id="{4E25ABE6-4444-4DAF-91C8-46D9D5778695}"/>
+                <a16:creationId xmlns="" xmlns:a16="http://schemas.microsoft.com/office/drawing/2014/main" id="{4E25ABE6-4444-4DAF-91C8-46D9D5778695}"/>
               </a:ext>
             </a:extLst>
           </p:cNvPr>
@@ -1910,7 +1910,7 @@
           <p:cNvPr id="2" name="Title 1">
             <a:extLst>
               <a:ext uri="{FF2B5EF4-FFF2-40B4-BE49-F238E27FC236}">
-                <a16:creationId xmlns:a16="http://schemas.microsoft.com/office/drawing/2014/main" xmlns="" id="{ED6E3AA0-05CB-46E1-AFAE-37B3C941594B}"/>
+                <a16:creationId xmlns="" xmlns:a16="http://schemas.microsoft.com/office/drawing/2014/main" id="{ED6E3AA0-05CB-46E1-AFAE-37B3C941594B}"/>
               </a:ext>
             </a:extLst>
           </p:cNvPr>
@@ -1938,7 +1938,7 @@
           <p:cNvPr id="3" name="Date Placeholder 2">
             <a:extLst>
               <a:ext uri="{FF2B5EF4-FFF2-40B4-BE49-F238E27FC236}">
-                <a16:creationId xmlns:a16="http://schemas.microsoft.com/office/drawing/2014/main" xmlns="" id="{F0E4FC13-6A37-4F71-BED9-61E57E582521}"/>
+                <a16:creationId xmlns="" xmlns:a16="http://schemas.microsoft.com/office/drawing/2014/main" id="{F0E4FC13-6A37-4F71-BED9-61E57E582521}"/>
               </a:ext>
             </a:extLst>
           </p:cNvPr>
@@ -1956,7 +1956,7 @@
           <a:p>
             <a:fld id="{96A6E203-295F-4703-AD0A-66479580568A}" type="datetimeFigureOut">
               <a:rPr lang="en-US" smtClean="0"/>
-              <a:t>3/9/2018</a:t>
+              <a:t>3/10/2018</a:t>
             </a:fld>
             <a:endParaRPr lang="en-US"/>
           </a:p>
@@ -1967,7 +1967,7 @@
           <p:cNvPr id="4" name="Footer Placeholder 3">
             <a:extLst>
               <a:ext uri="{FF2B5EF4-FFF2-40B4-BE49-F238E27FC236}">
-                <a16:creationId xmlns:a16="http://schemas.microsoft.com/office/drawing/2014/main" xmlns="" id="{6DBCB155-DE56-489A-8C22-D46C84FC9168}"/>
+                <a16:creationId xmlns="" xmlns:a16="http://schemas.microsoft.com/office/drawing/2014/main" id="{6DBCB155-DE56-489A-8C22-D46C84FC9168}"/>
               </a:ext>
             </a:extLst>
           </p:cNvPr>
@@ -1992,7 +1992,7 @@
           <p:cNvPr id="5" name="Slide Number Placeholder 4">
             <a:extLst>
               <a:ext uri="{FF2B5EF4-FFF2-40B4-BE49-F238E27FC236}">
-                <a16:creationId xmlns:a16="http://schemas.microsoft.com/office/drawing/2014/main" xmlns="" id="{B81F7144-919D-4A1D-A06E-CA69669130AC}"/>
+                <a16:creationId xmlns="" xmlns:a16="http://schemas.microsoft.com/office/drawing/2014/main" id="{B81F7144-919D-4A1D-A06E-CA69669130AC}"/>
               </a:ext>
             </a:extLst>
           </p:cNvPr>
@@ -2051,7 +2051,7 @@
           <p:cNvPr id="2" name="Date Placeholder 1">
             <a:extLst>
               <a:ext uri="{FF2B5EF4-FFF2-40B4-BE49-F238E27FC236}">
-                <a16:creationId xmlns:a16="http://schemas.microsoft.com/office/drawing/2014/main" xmlns="" id="{DD52A6A7-B252-4B0B-B1C6-4FD7439F6E29}"/>
+                <a16:creationId xmlns="" xmlns:a16="http://schemas.microsoft.com/office/drawing/2014/main" id="{DD52A6A7-B252-4B0B-B1C6-4FD7439F6E29}"/>
               </a:ext>
             </a:extLst>
           </p:cNvPr>
@@ -2069,7 +2069,7 @@
           <a:p>
             <a:fld id="{96A6E203-295F-4703-AD0A-66479580568A}" type="datetimeFigureOut">
               <a:rPr lang="en-US" smtClean="0"/>
-              <a:t>3/9/2018</a:t>
+              <a:t>3/10/2018</a:t>
             </a:fld>
             <a:endParaRPr lang="en-US"/>
           </a:p>
@@ -2080,7 +2080,7 @@
           <p:cNvPr id="3" name="Footer Placeholder 2">
             <a:extLst>
               <a:ext uri="{FF2B5EF4-FFF2-40B4-BE49-F238E27FC236}">
-                <a16:creationId xmlns:a16="http://schemas.microsoft.com/office/drawing/2014/main" xmlns="" id="{C901F2C5-4F0E-4341-BE23-7A9500873590}"/>
+                <a16:creationId xmlns="" xmlns:a16="http://schemas.microsoft.com/office/drawing/2014/main" id="{C901F2C5-4F0E-4341-BE23-7A9500873590}"/>
               </a:ext>
             </a:extLst>
           </p:cNvPr>
@@ -2105,7 +2105,7 @@
           <p:cNvPr id="4" name="Slide Number Placeholder 3">
             <a:extLst>
               <a:ext uri="{FF2B5EF4-FFF2-40B4-BE49-F238E27FC236}">
-                <a16:creationId xmlns:a16="http://schemas.microsoft.com/office/drawing/2014/main" xmlns="" id="{650215EE-5960-410C-BB54-5FD050184A9F}"/>
+                <a16:creationId xmlns="" xmlns:a16="http://schemas.microsoft.com/office/drawing/2014/main" id="{650215EE-5960-410C-BB54-5FD050184A9F}"/>
               </a:ext>
             </a:extLst>
           </p:cNvPr>
@@ -2164,7 +2164,7 @@
           <p:cNvPr id="2" name="Title 1">
             <a:extLst>
               <a:ext uri="{FF2B5EF4-FFF2-40B4-BE49-F238E27FC236}">
-                <a16:creationId xmlns:a16="http://schemas.microsoft.com/office/drawing/2014/main" xmlns="" id="{314EC3C5-F230-4C19-8791-E048E5EFC49B}"/>
+                <a16:creationId xmlns="" xmlns:a16="http://schemas.microsoft.com/office/drawing/2014/main" id="{314EC3C5-F230-4C19-8791-E048E5EFC49B}"/>
               </a:ext>
             </a:extLst>
           </p:cNvPr>
@@ -2201,7 +2201,7 @@
           <p:cNvPr id="3" name="Content Placeholder 2">
             <a:extLst>
               <a:ext uri="{FF2B5EF4-FFF2-40B4-BE49-F238E27FC236}">
-                <a16:creationId xmlns:a16="http://schemas.microsoft.com/office/drawing/2014/main" xmlns="" id="{2A79F925-B7DE-43BE-B4B4-F634F17D16EC}"/>
+                <a16:creationId xmlns="" xmlns:a16="http://schemas.microsoft.com/office/drawing/2014/main" id="{2A79F925-B7DE-43BE-B4B4-F634F17D16EC}"/>
               </a:ext>
             </a:extLst>
           </p:cNvPr>
@@ -2291,7 +2291,7 @@
           <p:cNvPr id="4" name="Text Placeholder 3">
             <a:extLst>
               <a:ext uri="{FF2B5EF4-FFF2-40B4-BE49-F238E27FC236}">
-                <a16:creationId xmlns:a16="http://schemas.microsoft.com/office/drawing/2014/main" xmlns="" id="{826FEF52-CFD0-46AF-970F-AA5FEE73CDA5}"/>
+                <a16:creationId xmlns="" xmlns:a16="http://schemas.microsoft.com/office/drawing/2014/main" id="{826FEF52-CFD0-46AF-970F-AA5FEE73CDA5}"/>
               </a:ext>
             </a:extLst>
           </p:cNvPr>
@@ -2362,7 +2362,7 @@
           <p:cNvPr id="5" name="Date Placeholder 4">
             <a:extLst>
               <a:ext uri="{FF2B5EF4-FFF2-40B4-BE49-F238E27FC236}">
-                <a16:creationId xmlns:a16="http://schemas.microsoft.com/office/drawing/2014/main" xmlns="" id="{12D9DE19-5F20-4448-BE57-48C872EEF0BF}"/>
+                <a16:creationId xmlns="" xmlns:a16="http://schemas.microsoft.com/office/drawing/2014/main" id="{12D9DE19-5F20-4448-BE57-48C872EEF0BF}"/>
               </a:ext>
             </a:extLst>
           </p:cNvPr>
@@ -2380,7 +2380,7 @@
           <a:p>
             <a:fld id="{96A6E203-295F-4703-AD0A-66479580568A}" type="datetimeFigureOut">
               <a:rPr lang="en-US" smtClean="0"/>
-              <a:t>3/9/2018</a:t>
+              <a:t>3/10/2018</a:t>
             </a:fld>
             <a:endParaRPr lang="en-US"/>
           </a:p>
@@ -2391,7 +2391,7 @@
           <p:cNvPr id="6" name="Footer Placeholder 5">
             <a:extLst>
               <a:ext uri="{FF2B5EF4-FFF2-40B4-BE49-F238E27FC236}">
-                <a16:creationId xmlns:a16="http://schemas.microsoft.com/office/drawing/2014/main" xmlns="" id="{11F53918-7B77-43A3-B255-FAD7CBE78C53}"/>
+                <a16:creationId xmlns="" xmlns:a16="http://schemas.microsoft.com/office/drawing/2014/main" id="{11F53918-7B77-43A3-B255-FAD7CBE78C53}"/>
               </a:ext>
             </a:extLst>
           </p:cNvPr>
@@ -2416,7 +2416,7 @@
           <p:cNvPr id="7" name="Slide Number Placeholder 6">
             <a:extLst>
               <a:ext uri="{FF2B5EF4-FFF2-40B4-BE49-F238E27FC236}">
-                <a16:creationId xmlns:a16="http://schemas.microsoft.com/office/drawing/2014/main" xmlns="" id="{ED3CEFE8-30ED-4036-B8C9-A124DECE6A52}"/>
+                <a16:creationId xmlns="" xmlns:a16="http://schemas.microsoft.com/office/drawing/2014/main" id="{ED3CEFE8-30ED-4036-B8C9-A124DECE6A52}"/>
               </a:ext>
             </a:extLst>
           </p:cNvPr>
@@ -2475,7 +2475,7 @@
           <p:cNvPr id="2" name="Title 1">
             <a:extLst>
               <a:ext uri="{FF2B5EF4-FFF2-40B4-BE49-F238E27FC236}">
-                <a16:creationId xmlns:a16="http://schemas.microsoft.com/office/drawing/2014/main" xmlns="" id="{B9D1C3BF-9C4B-4A59-AE27-87DDB00F40C3}"/>
+                <a16:creationId xmlns="" xmlns:a16="http://schemas.microsoft.com/office/drawing/2014/main" id="{B9D1C3BF-9C4B-4A59-AE27-87DDB00F40C3}"/>
               </a:ext>
             </a:extLst>
           </p:cNvPr>
@@ -2512,7 +2512,7 @@
           <p:cNvPr id="3" name="Picture Placeholder 2">
             <a:extLst>
               <a:ext uri="{FF2B5EF4-FFF2-40B4-BE49-F238E27FC236}">
-                <a16:creationId xmlns:a16="http://schemas.microsoft.com/office/drawing/2014/main" xmlns="" id="{86BBFD22-7E6B-4A02-9446-5BFE4B58748A}"/>
+                <a16:creationId xmlns="" xmlns:a16="http://schemas.microsoft.com/office/drawing/2014/main" id="{86BBFD22-7E6B-4A02-9446-5BFE4B58748A}"/>
               </a:ext>
             </a:extLst>
           </p:cNvPr>
@@ -2579,7 +2579,7 @@
           <p:cNvPr id="4" name="Text Placeholder 3">
             <a:extLst>
               <a:ext uri="{FF2B5EF4-FFF2-40B4-BE49-F238E27FC236}">
-                <a16:creationId xmlns:a16="http://schemas.microsoft.com/office/drawing/2014/main" xmlns="" id="{AAFA4451-E350-4BD7-9AD3-4B41463EDB43}"/>
+                <a16:creationId xmlns="" xmlns:a16="http://schemas.microsoft.com/office/drawing/2014/main" id="{AAFA4451-E350-4BD7-9AD3-4B41463EDB43}"/>
               </a:ext>
             </a:extLst>
           </p:cNvPr>
@@ -2650,7 +2650,7 @@
           <p:cNvPr id="5" name="Date Placeholder 4">
             <a:extLst>
               <a:ext uri="{FF2B5EF4-FFF2-40B4-BE49-F238E27FC236}">
-                <a16:creationId xmlns:a16="http://schemas.microsoft.com/office/drawing/2014/main" xmlns="" id="{FF3E80BA-7F7E-4DBF-82EB-467E925BB7AC}"/>
+                <a16:creationId xmlns="" xmlns:a16="http://schemas.microsoft.com/office/drawing/2014/main" id="{FF3E80BA-7F7E-4DBF-82EB-467E925BB7AC}"/>
               </a:ext>
             </a:extLst>
           </p:cNvPr>
@@ -2668,7 +2668,7 @@
           <a:p>
             <a:fld id="{96A6E203-295F-4703-AD0A-66479580568A}" type="datetimeFigureOut">
               <a:rPr lang="en-US" smtClean="0"/>
-              <a:t>3/9/2018</a:t>
+              <a:t>3/10/2018</a:t>
             </a:fld>
             <a:endParaRPr lang="en-US"/>
           </a:p>
@@ -2679,7 +2679,7 @@
           <p:cNvPr id="6" name="Footer Placeholder 5">
             <a:extLst>
               <a:ext uri="{FF2B5EF4-FFF2-40B4-BE49-F238E27FC236}">
-                <a16:creationId xmlns:a16="http://schemas.microsoft.com/office/drawing/2014/main" xmlns="" id="{E9AB4642-C618-48ED-B989-0332BACE865C}"/>
+                <a16:creationId xmlns="" xmlns:a16="http://schemas.microsoft.com/office/drawing/2014/main" id="{E9AB4642-C618-48ED-B989-0332BACE865C}"/>
               </a:ext>
             </a:extLst>
           </p:cNvPr>
@@ -2704,7 +2704,7 @@
           <p:cNvPr id="7" name="Slide Number Placeholder 6">
             <a:extLst>
               <a:ext uri="{FF2B5EF4-FFF2-40B4-BE49-F238E27FC236}">
-                <a16:creationId xmlns:a16="http://schemas.microsoft.com/office/drawing/2014/main" xmlns="" id="{10104E2A-114D-4C87-A2F4-54E2B55DBD65}"/>
+                <a16:creationId xmlns="" xmlns:a16="http://schemas.microsoft.com/office/drawing/2014/main" id="{10104E2A-114D-4C87-A2F4-54E2B55DBD65}"/>
               </a:ext>
             </a:extLst>
           </p:cNvPr>
@@ -2768,7 +2768,7 @@
           <p:cNvPr id="2" name="Title Placeholder 1">
             <a:extLst>
               <a:ext uri="{FF2B5EF4-FFF2-40B4-BE49-F238E27FC236}">
-                <a16:creationId xmlns:a16="http://schemas.microsoft.com/office/drawing/2014/main" xmlns="" id="{F7E7A06E-DBA5-4105-9BF7-AC74A4BCEE43}"/>
+                <a16:creationId xmlns="" xmlns:a16="http://schemas.microsoft.com/office/drawing/2014/main" id="{F7E7A06E-DBA5-4105-9BF7-AC74A4BCEE43}"/>
               </a:ext>
             </a:extLst>
           </p:cNvPr>
@@ -2806,7 +2806,7 @@
           <p:cNvPr id="3" name="Text Placeholder 2">
             <a:extLst>
               <a:ext uri="{FF2B5EF4-FFF2-40B4-BE49-F238E27FC236}">
-                <a16:creationId xmlns:a16="http://schemas.microsoft.com/office/drawing/2014/main" xmlns="" id="{5E87192F-3673-4B57-87C9-639DC7BCA8AF}"/>
+                <a16:creationId xmlns="" xmlns:a16="http://schemas.microsoft.com/office/drawing/2014/main" id="{5E87192F-3673-4B57-87C9-639DC7BCA8AF}"/>
               </a:ext>
             </a:extLst>
           </p:cNvPr>
@@ -2873,7 +2873,7 @@
           <p:cNvPr id="4" name="Date Placeholder 3">
             <a:extLst>
               <a:ext uri="{FF2B5EF4-FFF2-40B4-BE49-F238E27FC236}">
-                <a16:creationId xmlns:a16="http://schemas.microsoft.com/office/drawing/2014/main" xmlns="" id="{E92CE706-3BF9-4B47-AB3D-5C7CD0AECB6C}"/>
+                <a16:creationId xmlns="" xmlns:a16="http://schemas.microsoft.com/office/drawing/2014/main" id="{E92CE706-3BF9-4B47-AB3D-5C7CD0AECB6C}"/>
               </a:ext>
             </a:extLst>
           </p:cNvPr>
@@ -2909,7 +2909,7 @@
           <a:p>
             <a:fld id="{96A6E203-295F-4703-AD0A-66479580568A}" type="datetimeFigureOut">
               <a:rPr lang="en-US" smtClean="0"/>
-              <a:t>3/9/2018</a:t>
+              <a:t>3/10/2018</a:t>
             </a:fld>
             <a:endParaRPr lang="en-US"/>
           </a:p>
@@ -2920,7 +2920,7 @@
           <p:cNvPr id="5" name="Footer Placeholder 4">
             <a:extLst>
               <a:ext uri="{FF2B5EF4-FFF2-40B4-BE49-F238E27FC236}">
-                <a16:creationId xmlns:a16="http://schemas.microsoft.com/office/drawing/2014/main" xmlns="" id="{00B83401-B0B0-4923-BAB6-A27BC4BE5721}"/>
+                <a16:creationId xmlns="" xmlns:a16="http://schemas.microsoft.com/office/drawing/2014/main" id="{00B83401-B0B0-4923-BAB6-A27BC4BE5721}"/>
               </a:ext>
             </a:extLst>
           </p:cNvPr>
@@ -2963,7 +2963,7 @@
           <p:cNvPr id="6" name="Slide Number Placeholder 5">
             <a:extLst>
               <a:ext uri="{FF2B5EF4-FFF2-40B4-BE49-F238E27FC236}">
-                <a16:creationId xmlns:a16="http://schemas.microsoft.com/office/drawing/2014/main" xmlns="" id="{9C9A4238-2563-45D8-94D6-FF81F13BF824}"/>
+                <a16:creationId xmlns="" xmlns:a16="http://schemas.microsoft.com/office/drawing/2014/main" id="{9C9A4238-2563-45D8-94D6-FF81F13BF824}"/>
               </a:ext>
             </a:extLst>
           </p:cNvPr>
@@ -3331,7 +3331,7 @@
           <p:cNvPr id="5" name="Picture 4">
             <a:extLst>
               <a:ext uri="{FF2B5EF4-FFF2-40B4-BE49-F238E27FC236}">
-                <a16:creationId xmlns:a16="http://schemas.microsoft.com/office/drawing/2014/main" xmlns="" id="{6995FFB6-3609-422E-B164-9A4E6F63812D}"/>
+                <a16:creationId xmlns="" xmlns:a16="http://schemas.microsoft.com/office/drawing/2014/main" id="{6995FFB6-3609-422E-B164-9A4E6F63812D}"/>
               </a:ext>
             </a:extLst>
           </p:cNvPr>
@@ -3367,7 +3367,7 @@
           <p:cNvPr id="7" name="Picture 6">
             <a:extLst>
               <a:ext uri="{FF2B5EF4-FFF2-40B4-BE49-F238E27FC236}">
-                <a16:creationId xmlns:a16="http://schemas.microsoft.com/office/drawing/2014/main" xmlns="" id="{28D8666A-4564-4EA4-8E9D-659569B3C09B}"/>
+                <a16:creationId xmlns="" xmlns:a16="http://schemas.microsoft.com/office/drawing/2014/main" id="{28D8666A-4564-4EA4-8E9D-659569B3C09B}"/>
               </a:ext>
             </a:extLst>
           </p:cNvPr>
@@ -3403,7 +3403,7 @@
           <p:cNvPr id="9" name="Picture 8">
             <a:extLst>
               <a:ext uri="{FF2B5EF4-FFF2-40B4-BE49-F238E27FC236}">
-                <a16:creationId xmlns:a16="http://schemas.microsoft.com/office/drawing/2014/main" xmlns="" id="{1B15D43B-C791-4162-B09A-40763A5878D1}"/>
+                <a16:creationId xmlns="" xmlns:a16="http://schemas.microsoft.com/office/drawing/2014/main" id="{1B15D43B-C791-4162-B09A-40763A5878D1}"/>
               </a:ext>
             </a:extLst>
           </p:cNvPr>
@@ -3439,7 +3439,7 @@
           <p:cNvPr id="11" name="Picture 10">
             <a:extLst>
               <a:ext uri="{FF2B5EF4-FFF2-40B4-BE49-F238E27FC236}">
-                <a16:creationId xmlns:a16="http://schemas.microsoft.com/office/drawing/2014/main" xmlns="" id="{77601C19-63CA-4E19-B786-1024B909E0A2}"/>
+                <a16:creationId xmlns="" xmlns:a16="http://schemas.microsoft.com/office/drawing/2014/main" id="{77601C19-63CA-4E19-B786-1024B909E0A2}"/>
               </a:ext>
             </a:extLst>
           </p:cNvPr>
@@ -3462,8 +3462,8 @@
         </p:blipFill>
         <p:spPr>
           <a:xfrm>
-            <a:off x="353395" y="4659575"/>
-            <a:ext cx="3581710" cy="754445"/>
+            <a:off x="132617" y="3899680"/>
+            <a:ext cx="2770303" cy="754445"/>
           </a:xfrm>
           <a:prstGeom prst="rect">
             <a:avLst/>
@@ -3475,7 +3475,7 @@
           <p:cNvPr id="15" name="Picture 14">
             <a:extLst>
               <a:ext uri="{FF2B5EF4-FFF2-40B4-BE49-F238E27FC236}">
-                <a16:creationId xmlns:a16="http://schemas.microsoft.com/office/drawing/2014/main" xmlns="" id="{9508FC10-4D95-4AC2-9D09-80A24291EAC7}"/>
+                <a16:creationId xmlns="" xmlns:a16="http://schemas.microsoft.com/office/drawing/2014/main" id="{9508FC10-4D95-4AC2-9D09-80A24291EAC7}"/>
               </a:ext>
             </a:extLst>
           </p:cNvPr>
@@ -3511,7 +3511,7 @@
           <p:cNvPr id="19" name="Picture 18">
             <a:extLst>
               <a:ext uri="{FF2B5EF4-FFF2-40B4-BE49-F238E27FC236}">
-                <a16:creationId xmlns:a16="http://schemas.microsoft.com/office/drawing/2014/main" xmlns="" id="{010359C5-0BFD-42A2-BCB7-A1AD0B17D181}"/>
+                <a16:creationId xmlns="" xmlns:a16="http://schemas.microsoft.com/office/drawing/2014/main" id="{010359C5-0BFD-42A2-BCB7-A1AD0B17D181}"/>
               </a:ext>
             </a:extLst>
           </p:cNvPr>
@@ -3534,7 +3534,7 @@
         </p:blipFill>
         <p:spPr>
           <a:xfrm>
-            <a:off x="235290" y="3177456"/>
+            <a:off x="235290" y="3002527"/>
             <a:ext cx="2204484" cy="856954"/>
           </a:xfrm>
           <a:prstGeom prst="rect">
@@ -3547,7 +3547,7 @@
           <p:cNvPr id="25" name="Picture 24">
             <a:extLst>
               <a:ext uri="{FF2B5EF4-FFF2-40B4-BE49-F238E27FC236}">
-                <a16:creationId xmlns:a16="http://schemas.microsoft.com/office/drawing/2014/main" xmlns="" id="{38E45928-7D05-4A39-B5FC-A4AF334F3E2F}"/>
+                <a16:creationId xmlns="" xmlns:a16="http://schemas.microsoft.com/office/drawing/2014/main" id="{38E45928-7D05-4A39-B5FC-A4AF334F3E2F}"/>
               </a:ext>
             </a:extLst>
           </p:cNvPr>
@@ -3660,6 +3660,85 @@
           </a:extLst>
         </p:spPr>
       </p:pic>
+      <p:pic>
+        <p:nvPicPr>
+          <p:cNvPr id="2" name="Picture 2" descr="C:\Users\Mingqi.Wu\Desktop\key.PNG"/>
+          <p:cNvPicPr>
+            <a:picLocks noChangeAspect="1" noChangeArrowheads="1"/>
+          </p:cNvPicPr>
+          <p:nvPr/>
+        </p:nvPicPr>
+        <p:blipFill>
+          <a:blip r:embed="rId11">
+            <a:extLst>
+              <a:ext uri="{28A0092B-C50C-407E-A947-70E740481C1C}">
+                <a14:useLocalDpi xmlns:a14="http://schemas.microsoft.com/office/drawing/2010/main" val="0"/>
+              </a:ext>
+            </a:extLst>
+          </a:blip>
+          <a:srcRect/>
+          <a:stretch>
+            <a:fillRect/>
+          </a:stretch>
+        </p:blipFill>
+        <p:spPr bwMode="auto">
+          <a:xfrm>
+            <a:off x="243241" y="4765448"/>
+            <a:ext cx="4755777" cy="1782162"/>
+          </a:xfrm>
+          <a:prstGeom prst="rect">
+            <a:avLst/>
+          </a:prstGeom>
+          <a:noFill/>
+          <a:extLst>
+            <a:ext uri="{909E8E84-426E-40DD-AFC4-6F175D3DCCD1}">
+              <a14:hiddenFill xmlns:a14="http://schemas.microsoft.com/office/drawing/2010/main">
+                <a:solidFill>
+                  <a:srgbClr val="FFFFFF"/>
+                </a:solidFill>
+              </a14:hiddenFill>
+            </a:ext>
+          </a:extLst>
+        </p:spPr>
+      </p:pic>
+      <p:sp>
+        <p:nvSpPr>
+          <p:cNvPr id="3" name="TextBox 2"/>
+          <p:cNvSpPr txBox="1"/>
+          <p:nvPr/>
+        </p:nvSpPr>
+        <p:spPr>
+          <a:xfrm>
+            <a:off x="2110424" y="4769141"/>
+            <a:ext cx="1007006" cy="307777"/>
+          </a:xfrm>
+          <a:prstGeom prst="rect">
+            <a:avLst/>
+          </a:prstGeom>
+          <a:noFill/>
+        </p:spPr>
+        <p:txBody>
+          <a:bodyPr wrap="square" rtlCol="0">
+            <a:spAutoFit/>
+          </a:bodyPr>
+          <a:lstStyle/>
+          <a:p>
+            <a:r>
+              <a:rPr lang="en-GB" sz="1400" b="1" smtClean="0">
+                <a:solidFill>
+                  <a:srgbClr val="C00000"/>
+                </a:solidFill>
+              </a:rPr>
+              <a:t>Key-values</a:t>
+            </a:r>
+            <a:endParaRPr lang="en-GB" sz="1400" b="1" dirty="0">
+              <a:solidFill>
+                <a:srgbClr val="C00000"/>
+              </a:solidFill>
+            </a:endParaRPr>
+          </a:p>
+        </p:txBody>
+      </p:sp>
     </p:spTree>
     <p:extLst>
       <p:ext uri="{BB962C8B-B14F-4D97-AF65-F5344CB8AC3E}">
@@ -3695,7 +3774,7 @@
           <p:cNvPr id="4" name="Picture 3">
             <a:extLst>
               <a:ext uri="{FF2B5EF4-FFF2-40B4-BE49-F238E27FC236}">
-                <a16:creationId xmlns:a16="http://schemas.microsoft.com/office/drawing/2014/main" xmlns="" id="{93D7FC3F-F299-4C0B-9E97-9B0C6A2C9281}"/>
+                <a16:creationId xmlns="" xmlns:a16="http://schemas.microsoft.com/office/drawing/2014/main" id="{93D7FC3F-F299-4C0B-9E97-9B0C6A2C9281}"/>
               </a:ext>
             </a:extLst>
           </p:cNvPr>
@@ -3731,7 +3810,7 @@
           <p:cNvPr id="5" name="Picture 4">
             <a:extLst>
               <a:ext uri="{FF2B5EF4-FFF2-40B4-BE49-F238E27FC236}">
-                <a16:creationId xmlns:a16="http://schemas.microsoft.com/office/drawing/2014/main" xmlns="" id="{69E6DB72-D6FF-4112-BF02-1266E59F818F}"/>
+                <a16:creationId xmlns="" xmlns:a16="http://schemas.microsoft.com/office/drawing/2014/main" id="{69E6DB72-D6FF-4112-BF02-1266E59F818F}"/>
               </a:ext>
             </a:extLst>
           </p:cNvPr>
@@ -3767,7 +3846,7 @@
           <p:cNvPr id="6" name="Picture 5">
             <a:extLst>
               <a:ext uri="{FF2B5EF4-FFF2-40B4-BE49-F238E27FC236}">
-                <a16:creationId xmlns:a16="http://schemas.microsoft.com/office/drawing/2014/main" xmlns="" id="{30042414-8979-405E-B1D4-10FB3CB7F5E9}"/>
+                <a16:creationId xmlns="" xmlns:a16="http://schemas.microsoft.com/office/drawing/2014/main" id="{30042414-8979-405E-B1D4-10FB3CB7F5E9}"/>
               </a:ext>
             </a:extLst>
           </p:cNvPr>
@@ -3803,7 +3882,7 @@
           <p:cNvPr id="10" name="Picture 9">
             <a:extLst>
               <a:ext uri="{FF2B5EF4-FFF2-40B4-BE49-F238E27FC236}">
-                <a16:creationId xmlns:a16="http://schemas.microsoft.com/office/drawing/2014/main" xmlns="" id="{EFDD5C8B-0E4E-4B31-BDDE-884E951C798A}"/>
+                <a16:creationId xmlns="" xmlns:a16="http://schemas.microsoft.com/office/drawing/2014/main" id="{EFDD5C8B-0E4E-4B31-BDDE-884E951C798A}"/>
               </a:ext>
             </a:extLst>
           </p:cNvPr>
@@ -3839,7 +3918,7 @@
           <p:cNvPr id="12" name="Picture 11">
             <a:extLst>
               <a:ext uri="{FF2B5EF4-FFF2-40B4-BE49-F238E27FC236}">
-                <a16:creationId xmlns:a16="http://schemas.microsoft.com/office/drawing/2014/main" xmlns="" id="{E1F5A93A-D399-49B8-863D-9A5AB5F1196F}"/>
+                <a16:creationId xmlns="" xmlns:a16="http://schemas.microsoft.com/office/drawing/2014/main" id="{E1F5A93A-D399-49B8-863D-9A5AB5F1196F}"/>
               </a:ext>
             </a:extLst>
           </p:cNvPr>
@@ -3875,7 +3954,7 @@
           <p:cNvPr id="16" name="Picture 15">
             <a:extLst>
               <a:ext uri="{FF2B5EF4-FFF2-40B4-BE49-F238E27FC236}">
-                <a16:creationId xmlns:a16="http://schemas.microsoft.com/office/drawing/2014/main" xmlns="" id="{30BB0FA1-C852-4445-B2E5-1054611F2ADF}"/>
+                <a16:creationId xmlns="" xmlns:a16="http://schemas.microsoft.com/office/drawing/2014/main" id="{30BB0FA1-C852-4445-B2E5-1054611F2ADF}"/>
               </a:ext>
             </a:extLst>
           </p:cNvPr>
@@ -3911,7 +3990,7 @@
           <p:cNvPr id="18" name="Straight Connector 17">
             <a:extLst>
               <a:ext uri="{FF2B5EF4-FFF2-40B4-BE49-F238E27FC236}">
-                <a16:creationId xmlns:a16="http://schemas.microsoft.com/office/drawing/2014/main" xmlns="" id="{2C6B949E-8B94-4A6C-822E-7AFC55ECD833}"/>
+                <a16:creationId xmlns="" xmlns:a16="http://schemas.microsoft.com/office/drawing/2014/main" id="{2C6B949E-8B94-4A6C-822E-7AFC55ECD833}"/>
               </a:ext>
             </a:extLst>
           </p:cNvPr>
@@ -3952,7 +4031,7 @@
           <p:cNvPr id="19" name="Straight Connector 18">
             <a:extLst>
               <a:ext uri="{FF2B5EF4-FFF2-40B4-BE49-F238E27FC236}">
-                <a16:creationId xmlns:a16="http://schemas.microsoft.com/office/drawing/2014/main" xmlns="" id="{600F7C2C-62CC-4483-B695-3ED22CADE28C}"/>
+                <a16:creationId xmlns="" xmlns:a16="http://schemas.microsoft.com/office/drawing/2014/main" id="{600F7C2C-62CC-4483-B695-3ED22CADE28C}"/>
               </a:ext>
             </a:extLst>
           </p:cNvPr>
@@ -3993,7 +4072,7 @@
           <p:cNvPr id="21" name="Picture 20">
             <a:extLst>
               <a:ext uri="{FF2B5EF4-FFF2-40B4-BE49-F238E27FC236}">
-                <a16:creationId xmlns:a16="http://schemas.microsoft.com/office/drawing/2014/main" xmlns="" id="{73B8EAE6-6285-4F1D-9060-F079140C3A6C}"/>
+                <a16:creationId xmlns="" xmlns:a16="http://schemas.microsoft.com/office/drawing/2014/main" id="{73B8EAE6-6285-4F1D-9060-F079140C3A6C}"/>
               </a:ext>
             </a:extLst>
           </p:cNvPr>
@@ -4029,7 +4108,7 @@
           <p:cNvPr id="23" name="Picture 22">
             <a:extLst>
               <a:ext uri="{FF2B5EF4-FFF2-40B4-BE49-F238E27FC236}">
-                <a16:creationId xmlns:a16="http://schemas.microsoft.com/office/drawing/2014/main" xmlns="" id="{A0497DEA-4D21-43E7-98B5-A69A261263AE}"/>
+                <a16:creationId xmlns="" xmlns:a16="http://schemas.microsoft.com/office/drawing/2014/main" id="{A0497DEA-4D21-43E7-98B5-A69A261263AE}"/>
               </a:ext>
             </a:extLst>
           </p:cNvPr>
@@ -4065,7 +4144,7 @@
           <p:cNvPr id="25" name="Picture 24">
             <a:extLst>
               <a:ext uri="{FF2B5EF4-FFF2-40B4-BE49-F238E27FC236}">
-                <a16:creationId xmlns:a16="http://schemas.microsoft.com/office/drawing/2014/main" xmlns="" id="{21603963-A38E-4674-9CCA-7192DF9EC794}"/>
+                <a16:creationId xmlns="" xmlns:a16="http://schemas.microsoft.com/office/drawing/2014/main" id="{21603963-A38E-4674-9CCA-7192DF9EC794}"/>
               </a:ext>
             </a:extLst>
           </p:cNvPr>
@@ -4398,7 +4477,7 @@
   <a:extraClrSchemeLst/>
   <a:extLst>
     <a:ext uri="{05A4C25C-085E-4340-85A3-A5531E510DB2}">
-      <thm15:themeFamily xmlns:thm15="http://schemas.microsoft.com/office/thememl/2012/main" xmlns="" name="Office Theme" id="{62F939B6-93AF-4DB8-9C6B-D6C7DFDC589F}" vid="{4A3C46E8-61CC-4603-A589-7422A47A8E4A}"/>
+      <thm15:themeFamily xmlns="" xmlns:thm15="http://schemas.microsoft.com/office/thememl/2012/main" name="Office Theme" id="{62F939B6-93AF-4DB8-9C6B-D6C7DFDC589F}" vid="{4A3C46E8-61CC-4603-A589-7422A47A8E4A}"/>
     </a:ext>
   </a:extLst>
 </a:theme>
